--- a/Documptation & PPT/NomNomGo..pptx
+++ b/Documptation & PPT/NomNomGo..pptx
@@ -10320,7 +10320,7 @@
           <a:p>
             <a:fld id="{D65BACFC-094F-4916-A007-910D6B75B2B1}" type="datetimeFigureOut">
               <a:rPr lang="en-IN" smtClean="0"/>
-              <a:t>30-03-2025</a:t>
+              <a:t>01-04-2025</a:t>
             </a:fld>
             <a:endParaRPr lang="en-IN"/>
           </a:p>
@@ -10965,7 +10965,7 @@
           <a:p>
             <a:fld id="{48A87A34-81AB-432B-8DAE-1953F412C126}" type="datetimeFigureOut">
               <a:rPr lang="en-US" smtClean="0"/>
-              <a:t>3/30/2025</a:t>
+              <a:t>4/1/2025</a:t>
             </a:fld>
             <a:endParaRPr lang="en-US" dirty="0"/>
           </a:p>
@@ -11263,7 +11263,7 @@
           <a:p>
             <a:fld id="{48A87A34-81AB-432B-8DAE-1953F412C126}" type="datetimeFigureOut">
               <a:rPr lang="en-US" smtClean="0"/>
-              <a:t>3/30/2025</a:t>
+              <a:t>4/1/2025</a:t>
             </a:fld>
             <a:endParaRPr lang="en-US" dirty="0"/>
           </a:p>
@@ -11455,7 +11455,7 @@
           <a:p>
             <a:fld id="{48A87A34-81AB-432B-8DAE-1953F412C126}" type="datetimeFigureOut">
               <a:rPr lang="en-US" smtClean="0"/>
-              <a:t>3/30/2025</a:t>
+              <a:t>4/1/2025</a:t>
             </a:fld>
             <a:endParaRPr lang="en-US" dirty="0"/>
           </a:p>
@@ -11716,7 +11716,7 @@
           <a:p>
             <a:fld id="{48A87A34-81AB-432B-8DAE-1953F412C126}" type="datetimeFigureOut">
               <a:rPr lang="en-US" smtClean="0"/>
-              <a:t>3/30/2025</a:t>
+              <a:t>4/1/2025</a:t>
             </a:fld>
             <a:endParaRPr lang="en-US" dirty="0"/>
           </a:p>
@@ -12140,7 +12140,7 @@
           <a:p>
             <a:fld id="{48A87A34-81AB-432B-8DAE-1953F412C126}" type="datetimeFigureOut">
               <a:rPr lang="en-US" smtClean="0"/>
-              <a:t>3/30/2025</a:t>
+              <a:t>4/1/2025</a:t>
             </a:fld>
             <a:endParaRPr lang="en-US" dirty="0"/>
           </a:p>
@@ -12677,7 +12677,7 @@
           <a:p>
             <a:fld id="{48A87A34-81AB-432B-8DAE-1953F412C126}" type="datetimeFigureOut">
               <a:rPr lang="en-US" smtClean="0"/>
-              <a:t>3/30/2025</a:t>
+              <a:t>4/1/2025</a:t>
             </a:fld>
             <a:endParaRPr lang="en-US" dirty="0"/>
           </a:p>
@@ -13541,7 +13541,7 @@
           <a:p>
             <a:fld id="{48A87A34-81AB-432B-8DAE-1953F412C126}" type="datetimeFigureOut">
               <a:rPr lang="en-US" smtClean="0"/>
-              <a:t>3/30/2025</a:t>
+              <a:t>4/1/2025</a:t>
             </a:fld>
             <a:endParaRPr lang="en-US" dirty="0"/>
           </a:p>
@@ -13711,7 +13711,7 @@
           <a:p>
             <a:fld id="{48A87A34-81AB-432B-8DAE-1953F412C126}" type="datetimeFigureOut">
               <a:rPr lang="en-US" smtClean="0"/>
-              <a:t>3/30/2025</a:t>
+              <a:t>4/1/2025</a:t>
             </a:fld>
             <a:endParaRPr lang="en-US" dirty="0"/>
           </a:p>
@@ -13895,7 +13895,7 @@
           <a:p>
             <a:fld id="{48A87A34-81AB-432B-8DAE-1953F412C126}" type="datetimeFigureOut">
               <a:rPr lang="en-US" smtClean="0"/>
-              <a:t>3/30/2025</a:t>
+              <a:t>4/1/2025</a:t>
             </a:fld>
             <a:endParaRPr lang="en-US" dirty="0"/>
           </a:p>
@@ -14065,7 +14065,7 @@
           <a:p>
             <a:fld id="{48A87A34-81AB-432B-8DAE-1953F412C126}" type="datetimeFigureOut">
               <a:rPr lang="en-US" smtClean="0"/>
-              <a:t>3/30/2025</a:t>
+              <a:t>4/1/2025</a:t>
             </a:fld>
             <a:endParaRPr lang="en-US" dirty="0"/>
           </a:p>
@@ -14309,7 +14309,7 @@
           <a:p>
             <a:fld id="{48A87A34-81AB-432B-8DAE-1953F412C126}" type="datetimeFigureOut">
               <a:rPr lang="en-US" smtClean="0"/>
-              <a:t>3/30/2025</a:t>
+              <a:t>4/1/2025</a:t>
             </a:fld>
             <a:endParaRPr lang="en-US" dirty="0"/>
           </a:p>
@@ -14545,7 +14545,7 @@
           <a:p>
             <a:fld id="{48A87A34-81AB-432B-8DAE-1953F412C126}" type="datetimeFigureOut">
               <a:rPr lang="en-US" smtClean="0"/>
-              <a:t>3/30/2025</a:t>
+              <a:t>4/1/2025</a:t>
             </a:fld>
             <a:endParaRPr lang="en-US" dirty="0"/>
           </a:p>
@@ -15011,7 +15011,7 @@
           <a:p>
             <a:fld id="{48A87A34-81AB-432B-8DAE-1953F412C126}" type="datetimeFigureOut">
               <a:rPr lang="en-US" smtClean="0"/>
-              <a:t>3/30/2025</a:t>
+              <a:t>4/1/2025</a:t>
             </a:fld>
             <a:endParaRPr lang="en-US" dirty="0"/>
           </a:p>
@@ -15129,7 +15129,7 @@
           <a:p>
             <a:fld id="{48A87A34-81AB-432B-8DAE-1953F412C126}" type="datetimeFigureOut">
               <a:rPr lang="en-US" smtClean="0"/>
-              <a:t>3/30/2025</a:t>
+              <a:t>4/1/2025</a:t>
             </a:fld>
             <a:endParaRPr lang="en-US" dirty="0"/>
           </a:p>
@@ -15224,7 +15224,7 @@
           <a:p>
             <a:fld id="{48A87A34-81AB-432B-8DAE-1953F412C126}" type="datetimeFigureOut">
               <a:rPr lang="en-US" smtClean="0"/>
-              <a:t>3/30/2025</a:t>
+              <a:t>4/1/2025</a:t>
             </a:fld>
             <a:endParaRPr lang="en-US" dirty="0"/>
           </a:p>
@@ -15479,7 +15479,7 @@
           <a:p>
             <a:fld id="{48A87A34-81AB-432B-8DAE-1953F412C126}" type="datetimeFigureOut">
               <a:rPr lang="en-US" smtClean="0"/>
-              <a:t>3/30/2025</a:t>
+              <a:t>4/1/2025</a:t>
             </a:fld>
             <a:endParaRPr lang="en-US" dirty="0"/>
           </a:p>
@@ -15779,7 +15779,7 @@
           <a:p>
             <a:fld id="{48A87A34-81AB-432B-8DAE-1953F412C126}" type="datetimeFigureOut">
               <a:rPr lang="en-US" smtClean="0"/>
-              <a:t>3/30/2025</a:t>
+              <a:t>4/1/2025</a:t>
             </a:fld>
             <a:endParaRPr lang="en-US" dirty="0"/>
           </a:p>
@@ -16014,7 +16014,7 @@
             <a:fld id="{48A87A34-81AB-432B-8DAE-1953F412C126}" type="datetimeFigureOut">
               <a:rPr lang="en-US" smtClean="0"/>
               <a:pPr/>
-              <a:t>3/30/2025</a:t>
+              <a:t>4/1/2025</a:t>
             </a:fld>
             <a:endParaRPr lang="en-US" dirty="0"/>
           </a:p>
@@ -16983,7 +16983,7 @@
                 <a:ea typeface="Calibri" panose="020F0502020204030204" pitchFamily="34" charset="0"/>
                 <a:cs typeface="Times New Roman" panose="02020603050405020304" pitchFamily="18" charset="0"/>
               </a:rPr>
-              <a:t>						Prof. Hetal Mehta</a:t>
+              <a:t>	(71--)					Prof. Hetal Mehta</a:t>
             </a:r>
             <a:endParaRPr lang="en-IN" kern="100" dirty="0">
               <a:solidFill>
@@ -18236,6 +18236,58 @@
           </a:prstGeom>
         </p:spPr>
       </p:pic>
+      <p:sp>
+        <p:nvSpPr>
+          <p:cNvPr id="2" name="Rectangle 1">
+            <a:extLst>
+              <a:ext uri="{FF2B5EF4-FFF2-40B4-BE49-F238E27FC236}">
+                <a16:creationId xmlns:a16="http://schemas.microsoft.com/office/drawing/2014/main" id="{60648768-B5C6-4F48-6ACD-1FAF58193FD3}"/>
+              </a:ext>
+            </a:extLst>
+          </p:cNvPr>
+          <p:cNvSpPr/>
+          <p:nvPr/>
+        </p:nvSpPr>
+        <p:spPr>
+          <a:xfrm>
+            <a:off x="2794141" y="1455174"/>
+            <a:ext cx="7706711" cy="4788310"/>
+          </a:xfrm>
+          <a:prstGeom prst="rect">
+            <a:avLst/>
+          </a:prstGeom>
+          <a:noFill/>
+          <a:ln>
+            <a:solidFill>
+              <a:schemeClr val="bg1"/>
+            </a:solidFill>
+          </a:ln>
+        </p:spPr>
+        <p:style>
+          <a:lnRef idx="2">
+            <a:schemeClr val="accent1">
+              <a:shade val="15000"/>
+            </a:schemeClr>
+          </a:lnRef>
+          <a:fillRef idx="1">
+            <a:schemeClr val="accent1"/>
+          </a:fillRef>
+          <a:effectRef idx="0">
+            <a:schemeClr val="accent1"/>
+          </a:effectRef>
+          <a:fontRef idx="minor">
+            <a:schemeClr val="lt1"/>
+          </a:fontRef>
+        </p:style>
+        <p:txBody>
+          <a:bodyPr rtlCol="0" anchor="ctr"/>
+          <a:lstStyle/>
+          <a:p>
+            <a:pPr algn="ctr"/>
+            <a:endParaRPr lang="en-IN"/>
+          </a:p>
+        </p:txBody>
+      </p:sp>
     </p:spTree>
     <p:extLst>
       <p:ext uri="{BB962C8B-B14F-4D97-AF65-F5344CB8AC3E}">

--- a/Documptation & PPT/NomNomGo..pptx
+++ b/Documptation & PPT/NomNomGo..pptx
@@ -10320,7 +10320,7 @@
           <a:p>
             <a:fld id="{D65BACFC-094F-4916-A007-910D6B75B2B1}" type="datetimeFigureOut">
               <a:rPr lang="en-IN" smtClean="0"/>
-              <a:t>01-04-2025</a:t>
+              <a:t>10-04-2025</a:t>
             </a:fld>
             <a:endParaRPr lang="en-IN"/>
           </a:p>
@@ -10965,7 +10965,7 @@
           <a:p>
             <a:fld id="{48A87A34-81AB-432B-8DAE-1953F412C126}" type="datetimeFigureOut">
               <a:rPr lang="en-US" smtClean="0"/>
-              <a:t>4/1/2025</a:t>
+              <a:t>4/10/2025</a:t>
             </a:fld>
             <a:endParaRPr lang="en-US" dirty="0"/>
           </a:p>
@@ -11263,7 +11263,7 @@
           <a:p>
             <a:fld id="{48A87A34-81AB-432B-8DAE-1953F412C126}" type="datetimeFigureOut">
               <a:rPr lang="en-US" smtClean="0"/>
-              <a:t>4/1/2025</a:t>
+              <a:t>4/10/2025</a:t>
             </a:fld>
             <a:endParaRPr lang="en-US" dirty="0"/>
           </a:p>
@@ -11455,7 +11455,7 @@
           <a:p>
             <a:fld id="{48A87A34-81AB-432B-8DAE-1953F412C126}" type="datetimeFigureOut">
               <a:rPr lang="en-US" smtClean="0"/>
-              <a:t>4/1/2025</a:t>
+              <a:t>4/10/2025</a:t>
             </a:fld>
             <a:endParaRPr lang="en-US" dirty="0"/>
           </a:p>
@@ -11716,7 +11716,7 @@
           <a:p>
             <a:fld id="{48A87A34-81AB-432B-8DAE-1953F412C126}" type="datetimeFigureOut">
               <a:rPr lang="en-US" smtClean="0"/>
-              <a:t>4/1/2025</a:t>
+              <a:t>4/10/2025</a:t>
             </a:fld>
             <a:endParaRPr lang="en-US" dirty="0"/>
           </a:p>
@@ -12140,7 +12140,7 @@
           <a:p>
             <a:fld id="{48A87A34-81AB-432B-8DAE-1953F412C126}" type="datetimeFigureOut">
               <a:rPr lang="en-US" smtClean="0"/>
-              <a:t>4/1/2025</a:t>
+              <a:t>4/10/2025</a:t>
             </a:fld>
             <a:endParaRPr lang="en-US" dirty="0"/>
           </a:p>
@@ -12677,7 +12677,7 @@
           <a:p>
             <a:fld id="{48A87A34-81AB-432B-8DAE-1953F412C126}" type="datetimeFigureOut">
               <a:rPr lang="en-US" smtClean="0"/>
-              <a:t>4/1/2025</a:t>
+              <a:t>4/10/2025</a:t>
             </a:fld>
             <a:endParaRPr lang="en-US" dirty="0"/>
           </a:p>
@@ -13541,7 +13541,7 @@
           <a:p>
             <a:fld id="{48A87A34-81AB-432B-8DAE-1953F412C126}" type="datetimeFigureOut">
               <a:rPr lang="en-US" smtClean="0"/>
-              <a:t>4/1/2025</a:t>
+              <a:t>4/10/2025</a:t>
             </a:fld>
             <a:endParaRPr lang="en-US" dirty="0"/>
           </a:p>
@@ -13711,7 +13711,7 @@
           <a:p>
             <a:fld id="{48A87A34-81AB-432B-8DAE-1953F412C126}" type="datetimeFigureOut">
               <a:rPr lang="en-US" smtClean="0"/>
-              <a:t>4/1/2025</a:t>
+              <a:t>4/10/2025</a:t>
             </a:fld>
             <a:endParaRPr lang="en-US" dirty="0"/>
           </a:p>
@@ -13895,7 +13895,7 @@
           <a:p>
             <a:fld id="{48A87A34-81AB-432B-8DAE-1953F412C126}" type="datetimeFigureOut">
               <a:rPr lang="en-US" smtClean="0"/>
-              <a:t>4/1/2025</a:t>
+              <a:t>4/10/2025</a:t>
             </a:fld>
             <a:endParaRPr lang="en-US" dirty="0"/>
           </a:p>
@@ -14065,7 +14065,7 @@
           <a:p>
             <a:fld id="{48A87A34-81AB-432B-8DAE-1953F412C126}" type="datetimeFigureOut">
               <a:rPr lang="en-US" smtClean="0"/>
-              <a:t>4/1/2025</a:t>
+              <a:t>4/10/2025</a:t>
             </a:fld>
             <a:endParaRPr lang="en-US" dirty="0"/>
           </a:p>
@@ -14309,7 +14309,7 @@
           <a:p>
             <a:fld id="{48A87A34-81AB-432B-8DAE-1953F412C126}" type="datetimeFigureOut">
               <a:rPr lang="en-US" smtClean="0"/>
-              <a:t>4/1/2025</a:t>
+              <a:t>4/10/2025</a:t>
             </a:fld>
             <a:endParaRPr lang="en-US" dirty="0"/>
           </a:p>
@@ -14545,7 +14545,7 @@
           <a:p>
             <a:fld id="{48A87A34-81AB-432B-8DAE-1953F412C126}" type="datetimeFigureOut">
               <a:rPr lang="en-US" smtClean="0"/>
-              <a:t>4/1/2025</a:t>
+              <a:t>4/10/2025</a:t>
             </a:fld>
             <a:endParaRPr lang="en-US" dirty="0"/>
           </a:p>
@@ -15011,7 +15011,7 @@
           <a:p>
             <a:fld id="{48A87A34-81AB-432B-8DAE-1953F412C126}" type="datetimeFigureOut">
               <a:rPr lang="en-US" smtClean="0"/>
-              <a:t>4/1/2025</a:t>
+              <a:t>4/10/2025</a:t>
             </a:fld>
             <a:endParaRPr lang="en-US" dirty="0"/>
           </a:p>
@@ -15129,7 +15129,7 @@
           <a:p>
             <a:fld id="{48A87A34-81AB-432B-8DAE-1953F412C126}" type="datetimeFigureOut">
               <a:rPr lang="en-US" smtClean="0"/>
-              <a:t>4/1/2025</a:t>
+              <a:t>4/10/2025</a:t>
             </a:fld>
             <a:endParaRPr lang="en-US" dirty="0"/>
           </a:p>
@@ -15224,7 +15224,7 @@
           <a:p>
             <a:fld id="{48A87A34-81AB-432B-8DAE-1953F412C126}" type="datetimeFigureOut">
               <a:rPr lang="en-US" smtClean="0"/>
-              <a:t>4/1/2025</a:t>
+              <a:t>4/10/2025</a:t>
             </a:fld>
             <a:endParaRPr lang="en-US" dirty="0"/>
           </a:p>
@@ -15479,7 +15479,7 @@
           <a:p>
             <a:fld id="{48A87A34-81AB-432B-8DAE-1953F412C126}" type="datetimeFigureOut">
               <a:rPr lang="en-US" smtClean="0"/>
-              <a:t>4/1/2025</a:t>
+              <a:t>4/10/2025</a:t>
             </a:fld>
             <a:endParaRPr lang="en-US" dirty="0"/>
           </a:p>
@@ -15779,7 +15779,7 @@
           <a:p>
             <a:fld id="{48A87A34-81AB-432B-8DAE-1953F412C126}" type="datetimeFigureOut">
               <a:rPr lang="en-US" smtClean="0"/>
-              <a:t>4/1/2025</a:t>
+              <a:t>4/10/2025</a:t>
             </a:fld>
             <a:endParaRPr lang="en-US" dirty="0"/>
           </a:p>
@@ -16014,7 +16014,7 @@
             <a:fld id="{48A87A34-81AB-432B-8DAE-1953F412C126}" type="datetimeFigureOut">
               <a:rPr lang="en-US" smtClean="0"/>
               <a:pPr/>
-              <a:t>4/1/2025</a:t>
+              <a:t>4/10/2025</a:t>
             </a:fld>
             <a:endParaRPr lang="en-US" dirty="0"/>
           </a:p>
@@ -16983,7 +16983,30 @@
                 <a:ea typeface="Calibri" panose="020F0502020204030204" pitchFamily="34" charset="0"/>
                 <a:cs typeface="Times New Roman" panose="02020603050405020304" pitchFamily="18" charset="0"/>
               </a:rPr>
-              <a:t>	(71--)					Prof. Hetal Mehta</a:t>
+              <a:t>	(7281)				</a:t>
+            </a:r>
+            <a:r>
+              <a:rPr lang="en-IN" kern="100" dirty="0">
+                <a:solidFill>
+                  <a:schemeClr val="tx2"/>
+                </a:solidFill>
+                <a:latin typeface="MV Boli" panose="02000500030200090000" pitchFamily="2" charset="0"/>
+                <a:ea typeface="Calibri" panose="020F0502020204030204" pitchFamily="34" charset="0"/>
+                <a:cs typeface="Times New Roman" panose="02020603050405020304" pitchFamily="18" charset="0"/>
+              </a:rPr>
+              <a:t>Mrs</a:t>
+            </a:r>
+            <a:r>
+              <a:rPr lang="en-IN" sz="1800" kern="100" dirty="0">
+                <a:solidFill>
+                  <a:schemeClr val="tx2"/>
+                </a:solidFill>
+                <a:effectLst/>
+                <a:latin typeface="MV Boli" panose="02000500030200090000" pitchFamily="2" charset="0"/>
+                <a:ea typeface="Calibri" panose="020F0502020204030204" pitchFamily="34" charset="0"/>
+                <a:cs typeface="Times New Roman" panose="02020603050405020304" pitchFamily="18" charset="0"/>
+              </a:rPr>
+              <a:t>. Hetal Mehta</a:t>
             </a:r>
             <a:endParaRPr lang="en-IN" kern="100" dirty="0">
               <a:solidFill>
@@ -17006,7 +17029,7 @@
                 <a:ea typeface="Calibri" panose="020F0502020204030204" pitchFamily="34" charset="0"/>
                 <a:cs typeface="Times New Roman" panose="02020603050405020304" pitchFamily="18" charset="0"/>
               </a:rPr>
-              <a:t>Dubey Vishal Jaykumar</a:t>
+              <a:t>Dubey Vishal Jaykumar (7185)</a:t>
             </a:r>
             <a:endParaRPr lang="en-IN" b="1" kern="100" dirty="0">
               <a:solidFill>
@@ -17028,7 +17051,7 @@
                 <a:ea typeface="Calibri" panose="020F0502020204030204" pitchFamily="34" charset="0"/>
                 <a:cs typeface="Times New Roman" panose="02020603050405020304" pitchFamily="18" charset="0"/>
               </a:rPr>
-              <a:t>Singh Abhishek Jitendra</a:t>
+              <a:t>Singh Abhishek Jitendra (7262)</a:t>
             </a:r>
             <a:endParaRPr lang="en-IN" sz="1800" b="1" kern="100" dirty="0">
               <a:solidFill>
@@ -17051,7 +17074,7 @@
                 <a:ea typeface="Calibri" panose="020F0502020204030204" pitchFamily="34" charset="0"/>
                 <a:cs typeface="Times New Roman" panose="02020603050405020304" pitchFamily="18" charset="0"/>
               </a:rPr>
-              <a:t>Chaudhary Ajit Ashokkumar</a:t>
+              <a:t>Chaudhary Ajit Ashokkumar (7177)</a:t>
             </a:r>
             <a:endParaRPr lang="en-IN" sz="1800" kern="100" dirty="0">
               <a:solidFill>
@@ -20300,10 +20323,10 @@
             <a:r>
               <a:rPr lang="en-US" sz="2000" dirty="0">
                 <a:solidFill>
-                  <a:srgbClr val="0070C0"/>
+                  <a:srgbClr val="00B0F0"/>
                 </a:solidFill>
               </a:rPr>
-              <a:t>XXX</a:t>
+              <a:t>Manual ordering via calls or visits with no digital tracking or automation.</a:t>
             </a:r>
             <a:endParaRPr lang="en-IN" sz="2000" dirty="0">
               <a:solidFill>

--- a/Documptation & PPT/NomNomGo..pptx
+++ b/Documptation & PPT/NomNomGo..pptx
@@ -5,7 +5,7 @@
     <p:sldMasterId id="2147483669" r:id="rId1"/>
   </p:sldMasterIdLst>
   <p:notesMasterIdLst>
-    <p:notesMasterId r:id="rId27"/>
+    <p:notesMasterId r:id="rId29"/>
   </p:notesMasterIdLst>
   <p:sldIdLst>
     <p:sldId id="256" r:id="rId2"/>
@@ -28,11 +28,13 @@
     <p:sldId id="273" r:id="rId19"/>
     <p:sldId id="275" r:id="rId20"/>
     <p:sldId id="276" r:id="rId21"/>
-    <p:sldId id="277" r:id="rId22"/>
-    <p:sldId id="278" r:id="rId23"/>
-    <p:sldId id="280" r:id="rId24"/>
-    <p:sldId id="279" r:id="rId25"/>
-    <p:sldId id="281" r:id="rId26"/>
+    <p:sldId id="282" r:id="rId22"/>
+    <p:sldId id="283" r:id="rId23"/>
+    <p:sldId id="284" r:id="rId24"/>
+    <p:sldId id="277" r:id="rId25"/>
+    <p:sldId id="278" r:id="rId26"/>
+    <p:sldId id="279" r:id="rId27"/>
+    <p:sldId id="281" r:id="rId28"/>
   </p:sldIdLst>
   <p:sldSz cx="12192000" cy="6858000"/>
   <p:notesSz cx="6858000" cy="9144000"/>
@@ -10320,7 +10322,7 @@
           <a:p>
             <a:fld id="{D65BACFC-094F-4916-A007-910D6B75B2B1}" type="datetimeFigureOut">
               <a:rPr lang="en-IN" smtClean="0"/>
-              <a:t>10-04-2025</a:t>
+              <a:t>11-04-2025</a:t>
             </a:fld>
             <a:endParaRPr lang="en-IN"/>
           </a:p>
@@ -10965,7 +10967,7 @@
           <a:p>
             <a:fld id="{48A87A34-81AB-432B-8DAE-1953F412C126}" type="datetimeFigureOut">
               <a:rPr lang="en-US" smtClean="0"/>
-              <a:t>4/10/2025</a:t>
+              <a:t>4/11/2025</a:t>
             </a:fld>
             <a:endParaRPr lang="en-US" dirty="0"/>
           </a:p>
@@ -11263,7 +11265,7 @@
           <a:p>
             <a:fld id="{48A87A34-81AB-432B-8DAE-1953F412C126}" type="datetimeFigureOut">
               <a:rPr lang="en-US" smtClean="0"/>
-              <a:t>4/10/2025</a:t>
+              <a:t>4/11/2025</a:t>
             </a:fld>
             <a:endParaRPr lang="en-US" dirty="0"/>
           </a:p>
@@ -11455,7 +11457,7 @@
           <a:p>
             <a:fld id="{48A87A34-81AB-432B-8DAE-1953F412C126}" type="datetimeFigureOut">
               <a:rPr lang="en-US" smtClean="0"/>
-              <a:t>4/10/2025</a:t>
+              <a:t>4/11/2025</a:t>
             </a:fld>
             <a:endParaRPr lang="en-US" dirty="0"/>
           </a:p>
@@ -11716,7 +11718,7 @@
           <a:p>
             <a:fld id="{48A87A34-81AB-432B-8DAE-1953F412C126}" type="datetimeFigureOut">
               <a:rPr lang="en-US" smtClean="0"/>
-              <a:t>4/10/2025</a:t>
+              <a:t>4/11/2025</a:t>
             </a:fld>
             <a:endParaRPr lang="en-US" dirty="0"/>
           </a:p>
@@ -12140,7 +12142,7 @@
           <a:p>
             <a:fld id="{48A87A34-81AB-432B-8DAE-1953F412C126}" type="datetimeFigureOut">
               <a:rPr lang="en-US" smtClean="0"/>
-              <a:t>4/10/2025</a:t>
+              <a:t>4/11/2025</a:t>
             </a:fld>
             <a:endParaRPr lang="en-US" dirty="0"/>
           </a:p>
@@ -12677,7 +12679,7 @@
           <a:p>
             <a:fld id="{48A87A34-81AB-432B-8DAE-1953F412C126}" type="datetimeFigureOut">
               <a:rPr lang="en-US" smtClean="0"/>
-              <a:t>4/10/2025</a:t>
+              <a:t>4/11/2025</a:t>
             </a:fld>
             <a:endParaRPr lang="en-US" dirty="0"/>
           </a:p>
@@ -13541,7 +13543,7 @@
           <a:p>
             <a:fld id="{48A87A34-81AB-432B-8DAE-1953F412C126}" type="datetimeFigureOut">
               <a:rPr lang="en-US" smtClean="0"/>
-              <a:t>4/10/2025</a:t>
+              <a:t>4/11/2025</a:t>
             </a:fld>
             <a:endParaRPr lang="en-US" dirty="0"/>
           </a:p>
@@ -13711,7 +13713,7 @@
           <a:p>
             <a:fld id="{48A87A34-81AB-432B-8DAE-1953F412C126}" type="datetimeFigureOut">
               <a:rPr lang="en-US" smtClean="0"/>
-              <a:t>4/10/2025</a:t>
+              <a:t>4/11/2025</a:t>
             </a:fld>
             <a:endParaRPr lang="en-US" dirty="0"/>
           </a:p>
@@ -13895,7 +13897,7 @@
           <a:p>
             <a:fld id="{48A87A34-81AB-432B-8DAE-1953F412C126}" type="datetimeFigureOut">
               <a:rPr lang="en-US" smtClean="0"/>
-              <a:t>4/10/2025</a:t>
+              <a:t>4/11/2025</a:t>
             </a:fld>
             <a:endParaRPr lang="en-US" dirty="0"/>
           </a:p>
@@ -14065,7 +14067,7 @@
           <a:p>
             <a:fld id="{48A87A34-81AB-432B-8DAE-1953F412C126}" type="datetimeFigureOut">
               <a:rPr lang="en-US" smtClean="0"/>
-              <a:t>4/10/2025</a:t>
+              <a:t>4/11/2025</a:t>
             </a:fld>
             <a:endParaRPr lang="en-US" dirty="0"/>
           </a:p>
@@ -14309,7 +14311,7 @@
           <a:p>
             <a:fld id="{48A87A34-81AB-432B-8DAE-1953F412C126}" type="datetimeFigureOut">
               <a:rPr lang="en-US" smtClean="0"/>
-              <a:t>4/10/2025</a:t>
+              <a:t>4/11/2025</a:t>
             </a:fld>
             <a:endParaRPr lang="en-US" dirty="0"/>
           </a:p>
@@ -14545,7 +14547,7 @@
           <a:p>
             <a:fld id="{48A87A34-81AB-432B-8DAE-1953F412C126}" type="datetimeFigureOut">
               <a:rPr lang="en-US" smtClean="0"/>
-              <a:t>4/10/2025</a:t>
+              <a:t>4/11/2025</a:t>
             </a:fld>
             <a:endParaRPr lang="en-US" dirty="0"/>
           </a:p>
@@ -15011,7 +15013,7 @@
           <a:p>
             <a:fld id="{48A87A34-81AB-432B-8DAE-1953F412C126}" type="datetimeFigureOut">
               <a:rPr lang="en-US" smtClean="0"/>
-              <a:t>4/10/2025</a:t>
+              <a:t>4/11/2025</a:t>
             </a:fld>
             <a:endParaRPr lang="en-US" dirty="0"/>
           </a:p>
@@ -15129,7 +15131,7 @@
           <a:p>
             <a:fld id="{48A87A34-81AB-432B-8DAE-1953F412C126}" type="datetimeFigureOut">
               <a:rPr lang="en-US" smtClean="0"/>
-              <a:t>4/10/2025</a:t>
+              <a:t>4/11/2025</a:t>
             </a:fld>
             <a:endParaRPr lang="en-US" dirty="0"/>
           </a:p>
@@ -15224,7 +15226,7 @@
           <a:p>
             <a:fld id="{48A87A34-81AB-432B-8DAE-1953F412C126}" type="datetimeFigureOut">
               <a:rPr lang="en-US" smtClean="0"/>
-              <a:t>4/10/2025</a:t>
+              <a:t>4/11/2025</a:t>
             </a:fld>
             <a:endParaRPr lang="en-US" dirty="0"/>
           </a:p>
@@ -15479,7 +15481,7 @@
           <a:p>
             <a:fld id="{48A87A34-81AB-432B-8DAE-1953F412C126}" type="datetimeFigureOut">
               <a:rPr lang="en-US" smtClean="0"/>
-              <a:t>4/10/2025</a:t>
+              <a:t>4/11/2025</a:t>
             </a:fld>
             <a:endParaRPr lang="en-US" dirty="0"/>
           </a:p>
@@ -15779,7 +15781,7 @@
           <a:p>
             <a:fld id="{48A87A34-81AB-432B-8DAE-1953F412C126}" type="datetimeFigureOut">
               <a:rPr lang="en-US" smtClean="0"/>
-              <a:t>4/10/2025</a:t>
+              <a:t>4/11/2025</a:t>
             </a:fld>
             <a:endParaRPr lang="en-US" dirty="0"/>
           </a:p>
@@ -16014,7 +16016,7 @@
             <a:fld id="{48A87A34-81AB-432B-8DAE-1953F412C126}" type="datetimeFigureOut">
               <a:rPr lang="en-US" smtClean="0"/>
               <a:pPr/>
-              <a:t>4/10/2025</a:t>
+              <a:t>4/11/2025</a:t>
             </a:fld>
             <a:endParaRPr lang="en-US" dirty="0"/>
           </a:p>
@@ -17230,7 +17232,7 @@
             </a:pPr>
             <a:r>
               <a:rPr lang="en-US" sz="2400" dirty="0"/>
-              <a:t>	Manage food items, prices, categories, and availability.</a:t>
+              <a:t>Manage food items, prices, categories, and availability.</a:t>
             </a:r>
           </a:p>
           <a:p>
@@ -18024,36 +18026,6 @@
           </a:p>
         </p:txBody>
       </p:sp>
-      <p:pic>
-        <p:nvPicPr>
-          <p:cNvPr id="4" name="Picture 3">
-            <a:extLst>
-              <a:ext uri="{FF2B5EF4-FFF2-40B4-BE49-F238E27FC236}">
-                <a16:creationId xmlns:a16="http://schemas.microsoft.com/office/drawing/2014/main" id="{9DC85605-2053-9855-31F4-41E2AF183AEB}"/>
-              </a:ext>
-            </a:extLst>
-          </p:cNvPr>
-          <p:cNvPicPr>
-            <a:picLocks noChangeAspect="1"/>
-          </p:cNvPicPr>
-          <p:nvPr/>
-        </p:nvPicPr>
-        <p:blipFill>
-          <a:blip r:embed="rId2"/>
-          <a:stretch>
-            <a:fillRect/>
-          </a:stretch>
-        </p:blipFill>
-        <p:spPr>
-          <a:xfrm>
-            <a:off x="1953062" y="1769496"/>
-            <a:ext cx="8285876" cy="4149401"/>
-          </a:xfrm>
-          <a:prstGeom prst="rect">
-            <a:avLst/>
-          </a:prstGeom>
-        </p:spPr>
-      </p:pic>
       <p:sp>
         <p:nvSpPr>
           <p:cNvPr id="3" name="Rectangle 2">
@@ -18106,6 +18078,36 @@
           </a:p>
         </p:txBody>
       </p:sp>
+      <p:pic>
+        <p:nvPicPr>
+          <p:cNvPr id="7" name="Picture 6">
+            <a:extLst>
+              <a:ext uri="{FF2B5EF4-FFF2-40B4-BE49-F238E27FC236}">
+                <a16:creationId xmlns:a16="http://schemas.microsoft.com/office/drawing/2014/main" id="{CF2C2F0D-9804-3211-34A6-D572E947B368}"/>
+              </a:ext>
+            </a:extLst>
+          </p:cNvPr>
+          <p:cNvPicPr>
+            <a:picLocks noChangeAspect="1"/>
+          </p:cNvPicPr>
+          <p:nvPr/>
+        </p:nvPicPr>
+        <p:blipFill>
+          <a:blip r:embed="rId2"/>
+          <a:stretch>
+            <a:fillRect/>
+          </a:stretch>
+        </p:blipFill>
+        <p:spPr>
+          <a:xfrm>
+            <a:off x="2013746" y="1661652"/>
+            <a:ext cx="8379860" cy="4196467"/>
+          </a:xfrm>
+          <a:prstGeom prst="rect">
+            <a:avLst/>
+          </a:prstGeom>
+        </p:spPr>
+      </p:pic>
     </p:spTree>
     <p:extLst>
       <p:ext uri="{BB962C8B-B14F-4D97-AF65-F5344CB8AC3E}">
@@ -18229,36 +18231,6 @@
           </a:p>
         </p:txBody>
       </p:sp>
-      <p:pic>
-        <p:nvPicPr>
-          <p:cNvPr id="8" name="Picture 7">
-            <a:extLst>
-              <a:ext uri="{FF2B5EF4-FFF2-40B4-BE49-F238E27FC236}">
-                <a16:creationId xmlns:a16="http://schemas.microsoft.com/office/drawing/2014/main" id="{F310DBF1-40B2-8A04-76DF-3FDE876999B9}"/>
-              </a:ext>
-            </a:extLst>
-          </p:cNvPr>
-          <p:cNvPicPr>
-            <a:picLocks noChangeAspect="1"/>
-          </p:cNvPicPr>
-          <p:nvPr/>
-        </p:nvPicPr>
-        <p:blipFill>
-          <a:blip r:embed="rId2"/>
-          <a:stretch>
-            <a:fillRect/>
-          </a:stretch>
-        </p:blipFill>
-        <p:spPr>
-          <a:xfrm>
-            <a:off x="1971367" y="1769496"/>
-            <a:ext cx="8249265" cy="4131067"/>
-          </a:xfrm>
-          <a:prstGeom prst="rect">
-            <a:avLst/>
-          </a:prstGeom>
-        </p:spPr>
-      </p:pic>
       <p:sp>
         <p:nvSpPr>
           <p:cNvPr id="2" name="Rectangle 1">
@@ -18311,6 +18283,36 @@
           </a:p>
         </p:txBody>
       </p:sp>
+      <p:pic>
+        <p:nvPicPr>
+          <p:cNvPr id="4" name="Picture 3">
+            <a:extLst>
+              <a:ext uri="{FF2B5EF4-FFF2-40B4-BE49-F238E27FC236}">
+                <a16:creationId xmlns:a16="http://schemas.microsoft.com/office/drawing/2014/main" id="{FC5CCDE9-AFA7-4E38-1CED-9305CBFD20C3}"/>
+              </a:ext>
+            </a:extLst>
+          </p:cNvPr>
+          <p:cNvPicPr>
+            <a:picLocks noChangeAspect="1"/>
+          </p:cNvPicPr>
+          <p:nvPr/>
+        </p:nvPicPr>
+        <p:blipFill>
+          <a:blip r:embed="rId2"/>
+          <a:stretch>
+            <a:fillRect/>
+          </a:stretch>
+        </p:blipFill>
+        <p:spPr>
+          <a:xfrm>
+            <a:off x="1985216" y="1735238"/>
+            <a:ext cx="8443190" cy="4228181"/>
+          </a:xfrm>
+          <a:prstGeom prst="rect">
+            <a:avLst/>
+          </a:prstGeom>
+        </p:spPr>
+      </p:pic>
     </p:spTree>
     <p:extLst>
       <p:ext uri="{BB962C8B-B14F-4D97-AF65-F5344CB8AC3E}">
@@ -18742,14 +18744,14 @@
           <p:nvPr>
             <p:extLst>
               <p:ext uri="{D42A27DB-BD31-4B8C-83A1-F6EECF244321}">
-                <p14:modId xmlns:p14="http://schemas.microsoft.com/office/powerpoint/2010/main" val="1118653542"/>
+                <p14:modId xmlns:p14="http://schemas.microsoft.com/office/powerpoint/2010/main" val="3264709647"/>
               </p:ext>
             </p:extLst>
           </p:nvPr>
         </p:nvGraphicFramePr>
         <p:xfrm>
-          <a:off x="599767" y="2267099"/>
-          <a:ext cx="10972800" cy="2489200"/>
+          <a:off x="609600" y="1578841"/>
+          <a:ext cx="10972800" cy="3972560"/>
         </p:xfrm>
         <a:graphic>
           <a:graphicData uri="http://schemas.openxmlformats.org/drawingml/2006/table">
@@ -18943,8 +18945,99 @@
                     <a:lstStyle/>
                     <a:p>
                       <a:r>
+                        <a:rPr lang="en-US" dirty="0" err="1"/>
+                        <a:t>fisrtname</a:t>
+                      </a:r>
+                      <a:endParaRPr lang="en-IN" dirty="0"/>
+                    </a:p>
+                  </a:txBody>
+                  <a:tcPr/>
+                </a:tc>
+                <a:tc>
+                  <a:txBody>
+                    <a:bodyPr/>
+                    <a:lstStyle/>
+                    <a:p>
+                      <a:r>
                         <a:rPr lang="en-US" dirty="0"/>
-                        <a:t>Name</a:t>
+                        <a:t>String</a:t>
+                      </a:r>
+                      <a:endParaRPr lang="en-IN" dirty="0"/>
+                    </a:p>
+                  </a:txBody>
+                  <a:tcPr/>
+                </a:tc>
+                <a:tc>
+                  <a:txBody>
+                    <a:bodyPr/>
+                    <a:lstStyle/>
+                    <a:p>
+                      <a:pPr>
+                        <a:lnSpc>
+                          <a:spcPct val="115000"/>
+                        </a:lnSpc>
+                        <a:spcAft>
+                          <a:spcPts val="0"/>
+                        </a:spcAft>
+                      </a:pPr>
+                      <a:r>
+                        <a:rPr lang="en-US" sz="1600" kern="1200" dirty="0">
+                          <a:latin typeface="Times New Roman" pitchFamily="18" charset="0"/>
+                          <a:ea typeface="Times New Roman"/>
+                          <a:cs typeface="Times New Roman" pitchFamily="18" charset="0"/>
+                        </a:rPr>
+                        <a:t>Required</a:t>
+                      </a:r>
+                      <a:endParaRPr lang="en-IN" sz="1600" dirty="0">
+                        <a:latin typeface="Times New Roman" pitchFamily="18" charset="0"/>
+                        <a:ea typeface="Times New Roman"/>
+                        <a:cs typeface="Times New Roman" pitchFamily="18" charset="0"/>
+                      </a:endParaRPr>
+                    </a:p>
+                  </a:txBody>
+                  <a:tcPr marL="68580" marR="68580" marT="0" marB="0"/>
+                </a:tc>
+                <a:tc>
+                  <a:txBody>
+                    <a:bodyPr/>
+                    <a:lstStyle/>
+                    <a:p>
+                      <a:pPr>
+                        <a:lnSpc>
+                          <a:spcPct val="115000"/>
+                        </a:lnSpc>
+                        <a:spcAft>
+                          <a:spcPts val="0"/>
+                        </a:spcAft>
+                      </a:pPr>
+                      <a:r>
+                        <a:rPr lang="en-US" sz="1600" kern="1200" dirty="0"/>
+                        <a:t>Specify Name. </a:t>
+                      </a:r>
+                      <a:endParaRPr lang="en-IN" sz="1600" dirty="0">
+                        <a:latin typeface="Times New Roman" pitchFamily="18" charset="0"/>
+                        <a:ea typeface="Times New Roman"/>
+                        <a:cs typeface="Times New Roman" pitchFamily="18" charset="0"/>
+                      </a:endParaRPr>
+                    </a:p>
+                  </a:txBody>
+                  <a:tcPr marL="68580" marR="68580" marT="0" marB="0"/>
+                </a:tc>
+                <a:extLst>
+                  <a:ext uri="{0D108BD9-81ED-4DB2-BD59-A6C34878D82A}">
+                    <a16:rowId xmlns:a16="http://schemas.microsoft.com/office/drawing/2014/main" val="1506363339"/>
+                  </a:ext>
+                </a:extLst>
+              </a:tr>
+              <a:tr h="370840">
+                <a:tc>
+                  <a:txBody>
+                    <a:bodyPr/>
+                    <a:lstStyle/>
+                    <a:p>
+                      <a:r>
+                        <a:rPr lang="en-US" dirty="0" err="1"/>
+                        <a:t>lastname</a:t>
                       </a:r>
                       <a:endParaRPr lang="en-IN" dirty="0"/>
                     </a:p>
@@ -19261,6 +19354,195 @@
                   </a:ext>
                 </a:extLst>
               </a:tr>
+              <a:tr h="370840">
+                <a:tc>
+                  <a:txBody>
+                    <a:bodyPr/>
+                    <a:lstStyle/>
+                    <a:p>
+                      <a:r>
+                        <a:rPr lang="en-US" dirty="0" err="1"/>
+                        <a:t>Dateofbirth</a:t>
+                      </a:r>
+                      <a:endParaRPr lang="en-IN" dirty="0"/>
+                    </a:p>
+                  </a:txBody>
+                  <a:tcPr/>
+                </a:tc>
+                <a:tc>
+                  <a:txBody>
+                    <a:bodyPr/>
+                    <a:lstStyle/>
+                    <a:p>
+                      <a:r>
+                        <a:rPr lang="en-US" dirty="0"/>
+                        <a:t>String</a:t>
+                      </a:r>
+                      <a:endParaRPr lang="en-IN" dirty="0"/>
+                    </a:p>
+                  </a:txBody>
+                  <a:tcPr/>
+                </a:tc>
+                <a:tc>
+                  <a:txBody>
+                    <a:bodyPr/>
+                    <a:lstStyle/>
+                    <a:p>
+                      <a:r>
+                        <a:rPr lang="en-US" dirty="0"/>
+                        <a:t>Required</a:t>
+                      </a:r>
+                      <a:endParaRPr lang="en-IN" dirty="0"/>
+                    </a:p>
+                  </a:txBody>
+                  <a:tcPr anchor="ctr"/>
+                </a:tc>
+                <a:tc>
+                  <a:txBody>
+                    <a:bodyPr/>
+                    <a:lstStyle/>
+                    <a:p>
+                      <a:r>
+                        <a:rPr lang="en-US" dirty="0"/>
+                        <a:t>Date of Birth</a:t>
+                      </a:r>
+                      <a:endParaRPr lang="en-IN" dirty="0"/>
+                    </a:p>
+                  </a:txBody>
+                  <a:tcPr/>
+                </a:tc>
+                <a:extLst>
+                  <a:ext uri="{0D108BD9-81ED-4DB2-BD59-A6C34878D82A}">
+                    <a16:rowId xmlns:a16="http://schemas.microsoft.com/office/drawing/2014/main" val="888418460"/>
+                  </a:ext>
+                </a:extLst>
+              </a:tr>
+              <a:tr h="370840">
+                <a:tc>
+                  <a:txBody>
+                    <a:bodyPr/>
+                    <a:lstStyle/>
+                    <a:p>
+                      <a:r>
+                        <a:rPr lang="en-US" dirty="0"/>
+                        <a:t>Gender</a:t>
+                      </a:r>
+                      <a:endParaRPr lang="en-IN" dirty="0"/>
+                    </a:p>
+                  </a:txBody>
+                  <a:tcPr/>
+                </a:tc>
+                <a:tc>
+                  <a:txBody>
+                    <a:bodyPr/>
+                    <a:lstStyle/>
+                    <a:p>
+                      <a:r>
+                        <a:rPr lang="en-US" dirty="0"/>
+                        <a:t>String</a:t>
+                      </a:r>
+                      <a:endParaRPr lang="en-IN" dirty="0"/>
+                    </a:p>
+                  </a:txBody>
+                  <a:tcPr/>
+                </a:tc>
+                <a:tc>
+                  <a:txBody>
+                    <a:bodyPr/>
+                    <a:lstStyle/>
+                    <a:p>
+                      <a:r>
+                        <a:rPr lang="en-US" dirty="0"/>
+                        <a:t>Required</a:t>
+                      </a:r>
+                      <a:endParaRPr lang="en-IN" dirty="0"/>
+                    </a:p>
+                  </a:txBody>
+                  <a:tcPr anchor="ctr"/>
+                </a:tc>
+                <a:tc>
+                  <a:txBody>
+                    <a:bodyPr/>
+                    <a:lstStyle/>
+                    <a:p>
+                      <a:r>
+                        <a:rPr lang="en-US" dirty="0"/>
+                        <a:t>Gender</a:t>
+                      </a:r>
+                      <a:endParaRPr lang="en-IN" dirty="0"/>
+                    </a:p>
+                  </a:txBody>
+                  <a:tcPr/>
+                </a:tc>
+                <a:extLst>
+                  <a:ext uri="{0D108BD9-81ED-4DB2-BD59-A6C34878D82A}">
+                    <a16:rowId xmlns:a16="http://schemas.microsoft.com/office/drawing/2014/main" val="3686594472"/>
+                  </a:ext>
+                </a:extLst>
+              </a:tr>
+              <a:tr h="370840">
+                <a:tc>
+                  <a:txBody>
+                    <a:bodyPr/>
+                    <a:lstStyle/>
+                    <a:p>
+                      <a:r>
+                        <a:rPr lang="en-US" dirty="0" err="1"/>
+                        <a:t>phonenumber</a:t>
+                      </a:r>
+                      <a:endParaRPr lang="en-IN" dirty="0"/>
+                    </a:p>
+                  </a:txBody>
+                  <a:tcPr/>
+                </a:tc>
+                <a:tc>
+                  <a:txBody>
+                    <a:bodyPr/>
+                    <a:lstStyle/>
+                    <a:p>
+                      <a:r>
+                        <a:rPr lang="en-US" dirty="0"/>
+                        <a:t>String</a:t>
+                      </a:r>
+                      <a:endParaRPr lang="en-IN" dirty="0"/>
+                    </a:p>
+                  </a:txBody>
+                  <a:tcPr/>
+                </a:tc>
+                <a:tc>
+                  <a:txBody>
+                    <a:bodyPr/>
+                    <a:lstStyle/>
+                    <a:p>
+                      <a:r>
+                        <a:rPr lang="en-US" dirty="0"/>
+                        <a:t>Required</a:t>
+                      </a:r>
+                      <a:endParaRPr lang="en-IN" dirty="0"/>
+                    </a:p>
+                  </a:txBody>
+                  <a:tcPr anchor="ctr"/>
+                </a:tc>
+                <a:tc>
+                  <a:txBody>
+                    <a:bodyPr/>
+                    <a:lstStyle/>
+                    <a:p>
+                      <a:r>
+                        <a:rPr lang="en-US" dirty="0"/>
+                        <a:t>Phone Number </a:t>
+                      </a:r>
+                      <a:endParaRPr lang="en-IN" dirty="0"/>
+                    </a:p>
+                  </a:txBody>
+                  <a:tcPr/>
+                </a:tc>
+                <a:extLst>
+                  <a:ext uri="{0D108BD9-81ED-4DB2-BD59-A6C34878D82A}">
+                    <a16:rowId xmlns:a16="http://schemas.microsoft.com/office/drawing/2014/main" val="4280735981"/>
+                  </a:ext>
+                </a:extLst>
+              </a:tr>
             </a:tbl>
           </a:graphicData>
         </a:graphic>
@@ -19316,7 +19598,7 @@
         <p:spPr>
           <a:xfrm>
             <a:off x="373626" y="334297"/>
-            <a:ext cx="3844413" cy="707886"/>
+            <a:ext cx="4827639" cy="707886"/>
           </a:xfrm>
           <a:prstGeom prst="rect">
             <a:avLst/>
@@ -19347,7 +19629,7 @@
                   <a:srgbClr val="00B0F0"/>
                 </a:solidFill>
               </a:rPr>
-              <a:t>Users</a:t>
+              <a:t>Order</a:t>
             </a:r>
           </a:p>
           <a:p>
@@ -19369,7 +19651,7 @@
                   <a:srgbClr val="00B0F0"/>
                 </a:solidFill>
               </a:rPr>
-              <a:t>To store all user related data</a:t>
+              <a:t>To store all user order related data</a:t>
             </a:r>
             <a:endParaRPr lang="en-IN" sz="2000" dirty="0">
               <a:solidFill>
@@ -20518,7 +20800,7 @@
         <p:spPr>
           <a:xfrm>
             <a:off x="373626" y="334297"/>
-            <a:ext cx="3844413" cy="707886"/>
+            <a:ext cx="4994787" cy="707886"/>
           </a:xfrm>
           <a:prstGeom prst="rect">
             <a:avLst/>
@@ -20549,7 +20831,7 @@
                   <a:srgbClr val="00B0F0"/>
                 </a:solidFill>
               </a:rPr>
-              <a:t>Users</a:t>
+              <a:t>Food</a:t>
             </a:r>
           </a:p>
           <a:p>
@@ -20571,7 +20853,7 @@
                   <a:srgbClr val="00B0F0"/>
                 </a:solidFill>
               </a:rPr>
-              <a:t>To store all user related data</a:t>
+              <a:t>To store all Food related data</a:t>
             </a:r>
             <a:endParaRPr lang="en-IN" sz="2000" dirty="0">
               <a:solidFill>
@@ -20596,14 +20878,14 @@
           <p:nvPr>
             <p:extLst>
               <p:ext uri="{D42A27DB-BD31-4B8C-83A1-F6EECF244321}">
-                <p14:modId xmlns:p14="http://schemas.microsoft.com/office/powerpoint/2010/main" val="1510467446"/>
+                <p14:modId xmlns:p14="http://schemas.microsoft.com/office/powerpoint/2010/main" val="3682810567"/>
               </p:ext>
             </p:extLst>
           </p:nvPr>
         </p:nvGraphicFramePr>
         <p:xfrm>
           <a:off x="314633" y="1310579"/>
-          <a:ext cx="11611896" cy="4895542"/>
+          <a:ext cx="11611896" cy="4255462"/>
         </p:xfrm>
         <a:graphic>
           <a:graphicData uri="http://schemas.openxmlformats.org/drawingml/2006/table">
@@ -21160,66 +21442,6 @@
                     <a:p>
                       <a:r>
                         <a:rPr lang="en-IN" dirty="0" err="1"/>
-                        <a:t>createdAt</a:t>
-                      </a:r>
-                      <a:endParaRPr lang="en-IN" dirty="0"/>
-                    </a:p>
-                  </a:txBody>
-                  <a:tcPr/>
-                </a:tc>
-                <a:tc>
-                  <a:txBody>
-                    <a:bodyPr/>
-                    <a:lstStyle/>
-                    <a:p>
-                      <a:r>
-                        <a:rPr lang="en-IN" dirty="0"/>
-                        <a:t>Date</a:t>
-                      </a:r>
-                    </a:p>
-                  </a:txBody>
-                  <a:tcPr/>
-                </a:tc>
-                <a:tc>
-                  <a:txBody>
-                    <a:bodyPr/>
-                    <a:lstStyle/>
-                    <a:p>
-                      <a:r>
-                        <a:rPr lang="en-IN" dirty="0"/>
-                        <a:t>Auto-generated by timestamps: true</a:t>
-                      </a:r>
-                    </a:p>
-                  </a:txBody>
-                  <a:tcPr anchor="ctr"/>
-                </a:tc>
-                <a:tc>
-                  <a:txBody>
-                    <a:bodyPr/>
-                    <a:lstStyle/>
-                    <a:p>
-                      <a:r>
-                        <a:rPr lang="en-IN" dirty="0"/>
-                        <a:t>Auto-generated by timestamps: true</a:t>
-                      </a:r>
-                    </a:p>
-                  </a:txBody>
-                  <a:tcPr/>
-                </a:tc>
-                <a:extLst>
-                  <a:ext uri="{0D108BD9-81ED-4DB2-BD59-A6C34878D82A}">
-                    <a16:rowId xmlns:a16="http://schemas.microsoft.com/office/drawing/2014/main" val="2678408643"/>
-                  </a:ext>
-                </a:extLst>
-              </a:tr>
-              <a:tr h="605977">
-                <a:tc>
-                  <a:txBody>
-                    <a:bodyPr/>
-                    <a:lstStyle/>
-                    <a:p>
-                      <a:r>
-                        <a:rPr lang="en-IN" dirty="0" err="1"/>
                         <a:t>updatedAt</a:t>
                       </a:r>
                       <a:endParaRPr lang="en-IN" dirty="0"/>
@@ -21298,6 +21520,2496 @@
         <p:cNvPr id="1" name="">
           <a:extLst>
             <a:ext uri="{FF2B5EF4-FFF2-40B4-BE49-F238E27FC236}">
+              <a16:creationId xmlns:a16="http://schemas.microsoft.com/office/drawing/2014/main" id="{A4DE6E7D-DF9E-A05D-B94E-8C1EFD88BC3F}"/>
+            </a:ext>
+          </a:extLst>
+        </p:cNvPr>
+        <p:cNvGrpSpPr/>
+        <p:nvPr/>
+      </p:nvGrpSpPr>
+      <p:grpSpPr>
+        <a:xfrm>
+          <a:off x="0" y="0"/>
+          <a:ext cx="0" cy="0"/>
+          <a:chOff x="0" y="0"/>
+          <a:chExt cx="0" cy="0"/>
+        </a:xfrm>
+      </p:grpSpPr>
+      <p:sp>
+        <p:nvSpPr>
+          <p:cNvPr id="2" name="TextBox 1">
+            <a:extLst>
+              <a:ext uri="{FF2B5EF4-FFF2-40B4-BE49-F238E27FC236}">
+                <a16:creationId xmlns:a16="http://schemas.microsoft.com/office/drawing/2014/main" id="{C3F8AF92-E80E-1A4C-D8A3-59F69B2043EA}"/>
+              </a:ext>
+            </a:extLst>
+          </p:cNvPr>
+          <p:cNvSpPr txBox="1"/>
+          <p:nvPr/>
+        </p:nvSpPr>
+        <p:spPr>
+          <a:xfrm>
+            <a:off x="373626" y="334297"/>
+            <a:ext cx="4994787" cy="707886"/>
+          </a:xfrm>
+          <a:prstGeom prst="rect">
+            <a:avLst/>
+          </a:prstGeom>
+          <a:noFill/>
+        </p:spPr>
+        <p:txBody>
+          <a:bodyPr wrap="square" rtlCol="0">
+            <a:spAutoFit/>
+          </a:bodyPr>
+          <a:lstStyle/>
+          <a:p>
+            <a:r>
+              <a:rPr lang="en-US" sz="2000" dirty="0">
+                <a:solidFill>
+                  <a:srgbClr val="FF0000"/>
+                </a:solidFill>
+              </a:rPr>
+              <a:t>Table Name </a:t>
+            </a:r>
+            <a:r>
+              <a:rPr lang="en-US" sz="2000" dirty="0"/>
+              <a:t>: </a:t>
+            </a:r>
+            <a:r>
+              <a:rPr lang="en-US" sz="2000" dirty="0">
+                <a:solidFill>
+                  <a:srgbClr val="00B0F0"/>
+                </a:solidFill>
+              </a:rPr>
+              <a:t>Feedback</a:t>
+            </a:r>
+          </a:p>
+          <a:p>
+            <a:r>
+              <a:rPr lang="en-US" sz="2000" dirty="0">
+                <a:solidFill>
+                  <a:srgbClr val="FF0000"/>
+                </a:solidFill>
+              </a:rPr>
+              <a:t>Use</a:t>
+            </a:r>
+            <a:r>
+              <a:rPr lang="en-US" sz="2000" dirty="0"/>
+              <a:t> : </a:t>
+            </a:r>
+            <a:r>
+              <a:rPr lang="en-US" sz="2000" dirty="0">
+                <a:solidFill>
+                  <a:srgbClr val="00B0F0"/>
+                </a:solidFill>
+              </a:rPr>
+              <a:t>To store all Feedback related data</a:t>
+            </a:r>
+            <a:endParaRPr lang="en-IN" sz="2000" dirty="0">
+              <a:solidFill>
+                <a:srgbClr val="00B0F0"/>
+              </a:solidFill>
+            </a:endParaRPr>
+          </a:p>
+        </p:txBody>
+      </p:sp>
+      <p:graphicFrame>
+        <p:nvGraphicFramePr>
+          <p:cNvPr id="7" name="Table 6">
+            <a:extLst>
+              <a:ext uri="{FF2B5EF4-FFF2-40B4-BE49-F238E27FC236}">
+                <a16:creationId xmlns:a16="http://schemas.microsoft.com/office/drawing/2014/main" id="{43FFE815-8BFA-23B2-CBAB-756BBFF4D4D5}"/>
+              </a:ext>
+            </a:extLst>
+          </p:cNvPr>
+          <p:cNvGraphicFramePr>
+            <a:graphicFrameLocks noGrp="1"/>
+          </p:cNvGraphicFramePr>
+          <p:nvPr>
+            <p:extLst>
+              <p:ext uri="{D42A27DB-BD31-4B8C-83A1-F6EECF244321}">
+                <p14:modId xmlns:p14="http://schemas.microsoft.com/office/powerpoint/2010/main" val="458785870"/>
+              </p:ext>
+            </p:extLst>
+          </p:nvPr>
+        </p:nvGraphicFramePr>
+        <p:xfrm>
+          <a:off x="314633" y="1310579"/>
+          <a:ext cx="11611896" cy="3889702"/>
+        </p:xfrm>
+        <a:graphic>
+          <a:graphicData uri="http://schemas.openxmlformats.org/drawingml/2006/table">
+            <a:tbl>
+              <a:tblPr firstRow="1" bandRow="1">
+                <a:tableStyleId>{5C22544A-7EE6-4342-B048-85BDC9FD1C3A}</a:tableStyleId>
+              </a:tblPr>
+              <a:tblGrid>
+                <a:gridCol w="1392009">
+                  <a:extLst>
+                    <a:ext uri="{9D8B030D-6E8A-4147-A177-3AD203B41FA5}">
+                      <a16:colId xmlns:a16="http://schemas.microsoft.com/office/drawing/2014/main" val="2137380528"/>
+                    </a:ext>
+                  </a:extLst>
+                </a:gridCol>
+                <a:gridCol w="3406629">
+                  <a:extLst>
+                    <a:ext uri="{9D8B030D-6E8A-4147-A177-3AD203B41FA5}">
+                      <a16:colId xmlns:a16="http://schemas.microsoft.com/office/drawing/2014/main" val="2060838868"/>
+                    </a:ext>
+                  </a:extLst>
+                </a:gridCol>
+                <a:gridCol w="3401464">
+                  <a:extLst>
+                    <a:ext uri="{9D8B030D-6E8A-4147-A177-3AD203B41FA5}">
+                      <a16:colId xmlns:a16="http://schemas.microsoft.com/office/drawing/2014/main" val="4195088959"/>
+                    </a:ext>
+                  </a:extLst>
+                </a:gridCol>
+                <a:gridCol w="3411794">
+                  <a:extLst>
+                    <a:ext uri="{9D8B030D-6E8A-4147-A177-3AD203B41FA5}">
+                      <a16:colId xmlns:a16="http://schemas.microsoft.com/office/drawing/2014/main" val="1090451575"/>
+                    </a:ext>
+                  </a:extLst>
+                </a:gridCol>
+              </a:tblGrid>
+              <a:tr h="346273">
+                <a:tc>
+                  <a:txBody>
+                    <a:bodyPr/>
+                    <a:lstStyle/>
+                    <a:p>
+                      <a:r>
+                        <a:rPr lang="en-US" dirty="0"/>
+                        <a:t>Field</a:t>
+                      </a:r>
+                      <a:endParaRPr lang="en-IN" dirty="0"/>
+                    </a:p>
+                  </a:txBody>
+                  <a:tcPr/>
+                </a:tc>
+                <a:tc>
+                  <a:txBody>
+                    <a:bodyPr/>
+                    <a:lstStyle/>
+                    <a:p>
+                      <a:r>
+                        <a:rPr lang="en-US" dirty="0"/>
+                        <a:t>Type</a:t>
+                      </a:r>
+                      <a:endParaRPr lang="en-IN" dirty="0"/>
+                    </a:p>
+                  </a:txBody>
+                  <a:tcPr/>
+                </a:tc>
+                <a:tc>
+                  <a:txBody>
+                    <a:bodyPr/>
+                    <a:lstStyle/>
+                    <a:p>
+                      <a:r>
+                        <a:rPr lang="en-US" sz="1800" kern="1200" dirty="0"/>
+                        <a:t>Constraints</a:t>
+                      </a:r>
+                      <a:endParaRPr lang="en-IN" dirty="0"/>
+                    </a:p>
+                  </a:txBody>
+                  <a:tcPr/>
+                </a:tc>
+                <a:tc>
+                  <a:txBody>
+                    <a:bodyPr/>
+                    <a:lstStyle/>
+                    <a:p>
+                      <a:r>
+                        <a:rPr lang="en-US" sz="1800" kern="1200" dirty="0"/>
+                        <a:t>Description</a:t>
+                      </a:r>
+                    </a:p>
+                  </a:txBody>
+                  <a:tcPr/>
+                </a:tc>
+                <a:extLst>
+                  <a:ext uri="{0D108BD9-81ED-4DB2-BD59-A6C34878D82A}">
+                    <a16:rowId xmlns:a16="http://schemas.microsoft.com/office/drawing/2014/main" val="1258112340"/>
+                  </a:ext>
+                </a:extLst>
+              </a:tr>
+              <a:tr h="427764">
+                <a:tc>
+                  <a:txBody>
+                    <a:bodyPr/>
+                    <a:lstStyle/>
+                    <a:p>
+                      <a:r>
+                        <a:rPr lang="en-US" dirty="0"/>
+                        <a:t>o</a:t>
+                      </a:r>
+                      <a:r>
+                        <a:rPr lang="en-IN" dirty="0" err="1"/>
+                        <a:t>rderId</a:t>
+                      </a:r>
+                      <a:endParaRPr lang="en-IN" dirty="0"/>
+                    </a:p>
+                  </a:txBody>
+                  <a:tcPr/>
+                </a:tc>
+                <a:tc>
+                  <a:txBody>
+                    <a:bodyPr/>
+                    <a:lstStyle/>
+                    <a:p>
+                      <a:r>
+                        <a:rPr lang="en-IN" dirty="0"/>
+                        <a:t>String</a:t>
+                      </a:r>
+                    </a:p>
+                  </a:txBody>
+                  <a:tcPr/>
+                </a:tc>
+                <a:tc>
+                  <a:txBody>
+                    <a:bodyPr/>
+                    <a:lstStyle/>
+                    <a:p>
+                      <a:pPr marL="0" marR="0" lvl="0" indent="0" algn="l" defTabSz="457200" rtl="0" eaLnBrk="1" fontAlgn="auto" latinLnBrk="0" hangingPunct="1">
+                        <a:lnSpc>
+                          <a:spcPct val="100000"/>
+                        </a:lnSpc>
+                        <a:spcBef>
+                          <a:spcPts val="0"/>
+                        </a:spcBef>
+                        <a:spcAft>
+                          <a:spcPts val="0"/>
+                        </a:spcAft>
+                        <a:buClrTx/>
+                        <a:buSzTx/>
+                        <a:buFontTx/>
+                        <a:buNone/>
+                        <a:tabLst/>
+                        <a:defRPr/>
+                      </a:pPr>
+                      <a:r>
+                        <a:rPr lang="en-IN" dirty="0"/>
+                        <a:t>Required</a:t>
+                      </a:r>
+                      <a:endParaRPr lang="en-IN" sz="1800" dirty="0">
+                        <a:latin typeface="Times New Roman" pitchFamily="18" charset="0"/>
+                        <a:ea typeface="Times New Roman"/>
+                        <a:cs typeface="Times New Roman" pitchFamily="18" charset="0"/>
+                      </a:endParaRPr>
+                    </a:p>
+                  </a:txBody>
+                  <a:tcPr/>
+                </a:tc>
+                <a:tc>
+                  <a:txBody>
+                    <a:bodyPr/>
+                    <a:lstStyle/>
+                    <a:p>
+                      <a:r>
+                        <a:rPr lang="en-US" dirty="0"/>
+                        <a:t>Stores the id of the product.</a:t>
+                      </a:r>
+                    </a:p>
+                  </a:txBody>
+                  <a:tcPr anchor="ctr"/>
+                </a:tc>
+                <a:extLst>
+                  <a:ext uri="{0D108BD9-81ED-4DB2-BD59-A6C34878D82A}">
+                    <a16:rowId xmlns:a16="http://schemas.microsoft.com/office/drawing/2014/main" val="3538093163"/>
+                  </a:ext>
+                </a:extLst>
+              </a:tr>
+              <a:tr h="421555">
+                <a:tc>
+                  <a:txBody>
+                    <a:bodyPr/>
+                    <a:lstStyle/>
+                    <a:p>
+                      <a:r>
+                        <a:rPr lang="en-US" dirty="0"/>
+                        <a:t>R</a:t>
+                      </a:r>
+                      <a:r>
+                        <a:rPr lang="en-IN" dirty="0" err="1"/>
+                        <a:t>ating</a:t>
+                      </a:r>
+                      <a:endParaRPr lang="en-IN" dirty="0"/>
+                    </a:p>
+                  </a:txBody>
+                  <a:tcPr anchor="ctr"/>
+                </a:tc>
+                <a:tc>
+                  <a:txBody>
+                    <a:bodyPr/>
+                    <a:lstStyle/>
+                    <a:p>
+                      <a:r>
+                        <a:rPr lang="en-US" dirty="0"/>
+                        <a:t>N</a:t>
+                      </a:r>
+                      <a:r>
+                        <a:rPr lang="en-IN" dirty="0"/>
+                        <a:t>umber</a:t>
+                      </a:r>
+                    </a:p>
+                  </a:txBody>
+                  <a:tcPr/>
+                </a:tc>
+                <a:tc>
+                  <a:txBody>
+                    <a:bodyPr/>
+                    <a:lstStyle/>
+                    <a:p>
+                      <a:pPr>
+                        <a:lnSpc>
+                          <a:spcPct val="115000"/>
+                        </a:lnSpc>
+                        <a:spcAft>
+                          <a:spcPts val="0"/>
+                        </a:spcAft>
+                      </a:pPr>
+                      <a:r>
+                        <a:rPr lang="en-US" sz="1600" kern="1200" dirty="0">
+                          <a:latin typeface="Times New Roman" pitchFamily="18" charset="0"/>
+                          <a:ea typeface="Times New Roman"/>
+                          <a:cs typeface="Times New Roman" pitchFamily="18" charset="0"/>
+                        </a:rPr>
+                        <a:t>Required</a:t>
+                      </a:r>
+                      <a:endParaRPr lang="en-IN" sz="1600" dirty="0">
+                        <a:latin typeface="Times New Roman" pitchFamily="18" charset="0"/>
+                        <a:ea typeface="Times New Roman"/>
+                        <a:cs typeface="Times New Roman" pitchFamily="18" charset="0"/>
+                      </a:endParaRPr>
+                    </a:p>
+                  </a:txBody>
+                  <a:tcPr marL="68580" marR="68580" marT="0" marB="0"/>
+                </a:tc>
+                <a:tc>
+                  <a:txBody>
+                    <a:bodyPr/>
+                    <a:lstStyle/>
+                    <a:p>
+                      <a:pPr>
+                        <a:lnSpc>
+                          <a:spcPct val="115000"/>
+                        </a:lnSpc>
+                        <a:spcAft>
+                          <a:spcPts val="0"/>
+                        </a:spcAft>
+                      </a:pPr>
+                      <a:r>
+                        <a:rPr lang="en-US" sz="1600" dirty="0"/>
+                        <a:t>Provides rating about the product.</a:t>
+                      </a:r>
+                      <a:endParaRPr lang="en-IN" sz="1600" dirty="0">
+                        <a:latin typeface="Times New Roman" pitchFamily="18" charset="0"/>
+                        <a:ea typeface="Times New Roman"/>
+                        <a:cs typeface="Times New Roman" pitchFamily="18" charset="0"/>
+                      </a:endParaRPr>
+                    </a:p>
+                  </a:txBody>
+                  <a:tcPr marL="68580" marR="68580" marT="0" marB="0"/>
+                </a:tc>
+                <a:extLst>
+                  <a:ext uri="{0D108BD9-81ED-4DB2-BD59-A6C34878D82A}">
+                    <a16:rowId xmlns:a16="http://schemas.microsoft.com/office/drawing/2014/main" val="2843659236"/>
+                  </a:ext>
+                </a:extLst>
+              </a:tr>
+              <a:tr h="638363">
+                <a:tc>
+                  <a:txBody>
+                    <a:bodyPr/>
+                    <a:lstStyle/>
+                    <a:p>
+                      <a:r>
+                        <a:rPr lang="en-US" dirty="0"/>
+                        <a:t>c</a:t>
+                      </a:r>
+                      <a:r>
+                        <a:rPr lang="en-IN" dirty="0" err="1"/>
+                        <a:t>omments</a:t>
+                      </a:r>
+                      <a:endParaRPr lang="en-IN" dirty="0"/>
+                    </a:p>
+                  </a:txBody>
+                  <a:tcPr/>
+                </a:tc>
+                <a:tc>
+                  <a:txBody>
+                    <a:bodyPr/>
+                    <a:lstStyle/>
+                    <a:p>
+                      <a:r>
+                        <a:rPr lang="en-IN" dirty="0"/>
+                        <a:t>String</a:t>
+                      </a:r>
+                    </a:p>
+                  </a:txBody>
+                  <a:tcPr/>
+                </a:tc>
+                <a:tc>
+                  <a:txBody>
+                    <a:bodyPr/>
+                    <a:lstStyle/>
+                    <a:p>
+                      <a:pPr>
+                        <a:lnSpc>
+                          <a:spcPct val="115000"/>
+                        </a:lnSpc>
+                        <a:spcAft>
+                          <a:spcPts val="0"/>
+                        </a:spcAft>
+                      </a:pPr>
+                      <a:r>
+                        <a:rPr lang="en-IN" sz="1600" dirty="0"/>
+                        <a:t>Required</a:t>
+                      </a:r>
+                      <a:endParaRPr lang="en-IN" sz="1600" dirty="0">
+                        <a:latin typeface="Times New Roman" pitchFamily="18" charset="0"/>
+                        <a:ea typeface="Times New Roman"/>
+                        <a:cs typeface="Times New Roman" pitchFamily="18" charset="0"/>
+                      </a:endParaRPr>
+                    </a:p>
+                  </a:txBody>
+                  <a:tcPr marL="68580" marR="68580" marT="0" marB="0"/>
+                </a:tc>
+                <a:tc>
+                  <a:txBody>
+                    <a:bodyPr/>
+                    <a:lstStyle/>
+                    <a:p>
+                      <a:r>
+                        <a:rPr lang="en-US" dirty="0"/>
+                        <a:t>Stores the comments given by user for the product.</a:t>
+                      </a:r>
+                      <a:endParaRPr lang="en-IN" dirty="0"/>
+                    </a:p>
+                  </a:txBody>
+                  <a:tcPr anchor="ctr"/>
+                </a:tc>
+                <a:extLst>
+                  <a:ext uri="{0D108BD9-81ED-4DB2-BD59-A6C34878D82A}">
+                    <a16:rowId xmlns:a16="http://schemas.microsoft.com/office/drawing/2014/main" val="3394324996"/>
+                  </a:ext>
+                </a:extLst>
+              </a:tr>
+              <a:tr h="346273">
+                <a:tc>
+                  <a:txBody>
+                    <a:bodyPr/>
+                    <a:lstStyle/>
+                    <a:p>
+                      <a:r>
+                        <a:rPr lang="en-US" dirty="0"/>
+                        <a:t>a</a:t>
+                      </a:r>
+                      <a:r>
+                        <a:rPr lang="en-IN" dirty="0" err="1"/>
+                        <a:t>ctive</a:t>
+                      </a:r>
+                      <a:endParaRPr lang="en-IN" dirty="0"/>
+                    </a:p>
+                  </a:txBody>
+                  <a:tcPr/>
+                </a:tc>
+                <a:tc>
+                  <a:txBody>
+                    <a:bodyPr/>
+                    <a:lstStyle/>
+                    <a:p>
+                      <a:r>
+                        <a:rPr lang="en-IN" dirty="0"/>
+                        <a:t>String</a:t>
+                      </a:r>
+                    </a:p>
+                  </a:txBody>
+                  <a:tcPr/>
+                </a:tc>
+                <a:tc>
+                  <a:txBody>
+                    <a:bodyPr/>
+                    <a:lstStyle/>
+                    <a:p>
+                      <a:r>
+                        <a:rPr lang="en-IN" dirty="0"/>
+                        <a:t>Required</a:t>
+                      </a:r>
+                    </a:p>
+                  </a:txBody>
+                  <a:tcPr anchor="ctr"/>
+                </a:tc>
+                <a:tc>
+                  <a:txBody>
+                    <a:bodyPr/>
+                    <a:lstStyle/>
+                    <a:p>
+                      <a:r>
+                        <a:rPr lang="en-US" dirty="0"/>
+                        <a:t>Specifies the status of the product.</a:t>
+                      </a:r>
+                      <a:endParaRPr lang="en-IN" dirty="0"/>
+                    </a:p>
+                  </a:txBody>
+                  <a:tcPr/>
+                </a:tc>
+                <a:extLst>
+                  <a:ext uri="{0D108BD9-81ED-4DB2-BD59-A6C34878D82A}">
+                    <a16:rowId xmlns:a16="http://schemas.microsoft.com/office/drawing/2014/main" val="1417091800"/>
+                  </a:ext>
+                </a:extLst>
+              </a:tr>
+              <a:tr h="754383">
+                <a:tc>
+                  <a:txBody>
+                    <a:bodyPr/>
+                    <a:lstStyle/>
+                    <a:p>
+                      <a:r>
+                        <a:rPr lang="en-IN" dirty="0" err="1"/>
+                        <a:t>createdAt</a:t>
+                      </a:r>
+                      <a:endParaRPr lang="en-IN" dirty="0"/>
+                    </a:p>
+                  </a:txBody>
+                  <a:tcPr/>
+                </a:tc>
+                <a:tc>
+                  <a:txBody>
+                    <a:bodyPr/>
+                    <a:lstStyle/>
+                    <a:p>
+                      <a:r>
+                        <a:rPr lang="en-IN" dirty="0"/>
+                        <a:t>Date</a:t>
+                      </a:r>
+                    </a:p>
+                  </a:txBody>
+                  <a:tcPr/>
+                </a:tc>
+                <a:tc>
+                  <a:txBody>
+                    <a:bodyPr/>
+                    <a:lstStyle/>
+                    <a:p>
+                      <a:r>
+                        <a:rPr lang="en-IN" dirty="0"/>
+                        <a:t>Auto-generated by timestamps: true</a:t>
+                      </a:r>
+                    </a:p>
+                  </a:txBody>
+                  <a:tcPr anchor="ctr"/>
+                </a:tc>
+                <a:tc>
+                  <a:txBody>
+                    <a:bodyPr/>
+                    <a:lstStyle/>
+                    <a:p>
+                      <a:r>
+                        <a:rPr lang="en-US" dirty="0"/>
+                        <a:t>Stores the timestamp when the product was added.</a:t>
+                      </a:r>
+                      <a:endParaRPr lang="en-IN" dirty="0"/>
+                    </a:p>
+                  </a:txBody>
+                  <a:tcPr/>
+                </a:tc>
+                <a:extLst>
+                  <a:ext uri="{0D108BD9-81ED-4DB2-BD59-A6C34878D82A}">
+                    <a16:rowId xmlns:a16="http://schemas.microsoft.com/office/drawing/2014/main" val="1062352115"/>
+                  </a:ext>
+                </a:extLst>
+              </a:tr>
+              <a:tr h="605977">
+                <a:tc>
+                  <a:txBody>
+                    <a:bodyPr/>
+                    <a:lstStyle/>
+                    <a:p>
+                      <a:r>
+                        <a:rPr lang="en-IN" dirty="0" err="1"/>
+                        <a:t>updatedAt</a:t>
+                      </a:r>
+                      <a:endParaRPr lang="en-IN" dirty="0"/>
+                    </a:p>
+                  </a:txBody>
+                  <a:tcPr/>
+                </a:tc>
+                <a:tc>
+                  <a:txBody>
+                    <a:bodyPr/>
+                    <a:lstStyle/>
+                    <a:p>
+                      <a:r>
+                        <a:rPr lang="en-IN" dirty="0"/>
+                        <a:t>Date</a:t>
+                      </a:r>
+                    </a:p>
+                  </a:txBody>
+                  <a:tcPr/>
+                </a:tc>
+                <a:tc>
+                  <a:txBody>
+                    <a:bodyPr/>
+                    <a:lstStyle/>
+                    <a:p>
+                      <a:r>
+                        <a:rPr lang="en-IN" dirty="0"/>
+                        <a:t>Auto-generated by timestamps: true</a:t>
+                      </a:r>
+                    </a:p>
+                  </a:txBody>
+                  <a:tcPr anchor="ctr"/>
+                </a:tc>
+                <a:tc>
+                  <a:txBody>
+                    <a:bodyPr/>
+                    <a:lstStyle/>
+                    <a:p>
+                      <a:r>
+                        <a:rPr lang="en-US" dirty="0"/>
+                        <a:t>Stores the timestamp when the order was last updated.</a:t>
+                      </a:r>
+                      <a:endParaRPr lang="en-IN" dirty="0"/>
+                    </a:p>
+                  </a:txBody>
+                  <a:tcPr/>
+                </a:tc>
+                <a:extLst>
+                  <a:ext uri="{0D108BD9-81ED-4DB2-BD59-A6C34878D82A}">
+                    <a16:rowId xmlns:a16="http://schemas.microsoft.com/office/drawing/2014/main" val="343046690"/>
+                  </a:ext>
+                </a:extLst>
+              </a:tr>
+            </a:tbl>
+          </a:graphicData>
+        </a:graphic>
+      </p:graphicFrame>
+    </p:spTree>
+    <p:extLst>
+      <p:ext uri="{BB962C8B-B14F-4D97-AF65-F5344CB8AC3E}">
+        <p14:creationId xmlns:p14="http://schemas.microsoft.com/office/powerpoint/2010/main" val="2554830227"/>
+      </p:ext>
+    </p:extLst>
+  </p:cSld>
+  <p:clrMapOvr>
+    <a:masterClrMapping/>
+  </p:clrMapOvr>
+</p:sld>
+</file>
+
+<file path=ppt/slides/slide22.xml><?xml version="1.0" encoding="utf-8"?>
+<p:sld xmlns:a="http://schemas.openxmlformats.org/drawingml/2006/main" xmlns:r="http://schemas.openxmlformats.org/officeDocument/2006/relationships" xmlns:p="http://schemas.openxmlformats.org/presentationml/2006/main">
+  <p:cSld>
+    <p:spTree>
+      <p:nvGrpSpPr>
+        <p:cNvPr id="1" name="">
+          <a:extLst>
+            <a:ext uri="{FF2B5EF4-FFF2-40B4-BE49-F238E27FC236}">
+              <a16:creationId xmlns:a16="http://schemas.microsoft.com/office/drawing/2014/main" id="{C3E0FF6E-27B8-4BBC-0505-398B01ADCAEA}"/>
+            </a:ext>
+          </a:extLst>
+        </p:cNvPr>
+        <p:cNvGrpSpPr/>
+        <p:nvPr/>
+      </p:nvGrpSpPr>
+      <p:grpSpPr>
+        <a:xfrm>
+          <a:off x="0" y="0"/>
+          <a:ext cx="0" cy="0"/>
+          <a:chOff x="0" y="0"/>
+          <a:chExt cx="0" cy="0"/>
+        </a:xfrm>
+      </p:grpSpPr>
+      <p:sp>
+        <p:nvSpPr>
+          <p:cNvPr id="2" name="TextBox 1">
+            <a:extLst>
+              <a:ext uri="{FF2B5EF4-FFF2-40B4-BE49-F238E27FC236}">
+                <a16:creationId xmlns:a16="http://schemas.microsoft.com/office/drawing/2014/main" id="{E14D62E3-6473-9FFC-40C6-51292BE9DB7C}"/>
+              </a:ext>
+            </a:extLst>
+          </p:cNvPr>
+          <p:cNvSpPr txBox="1"/>
+          <p:nvPr/>
+        </p:nvSpPr>
+        <p:spPr>
+          <a:xfrm>
+            <a:off x="373626" y="334297"/>
+            <a:ext cx="4994787" cy="707886"/>
+          </a:xfrm>
+          <a:prstGeom prst="rect">
+            <a:avLst/>
+          </a:prstGeom>
+          <a:noFill/>
+        </p:spPr>
+        <p:txBody>
+          <a:bodyPr wrap="square" rtlCol="0">
+            <a:spAutoFit/>
+          </a:bodyPr>
+          <a:lstStyle/>
+          <a:p>
+            <a:r>
+              <a:rPr lang="en-US" sz="2000" dirty="0">
+                <a:solidFill>
+                  <a:srgbClr val="FF0000"/>
+                </a:solidFill>
+              </a:rPr>
+              <a:t>Table Name </a:t>
+            </a:r>
+            <a:r>
+              <a:rPr lang="en-US" sz="2000" dirty="0"/>
+              <a:t>: </a:t>
+            </a:r>
+            <a:r>
+              <a:rPr lang="en-US" sz="2000" dirty="0">
+                <a:solidFill>
+                  <a:srgbClr val="00B0F0"/>
+                </a:solidFill>
+              </a:rPr>
+              <a:t>Promocode</a:t>
+            </a:r>
+          </a:p>
+          <a:p>
+            <a:r>
+              <a:rPr lang="en-US" sz="2000" dirty="0">
+                <a:solidFill>
+                  <a:srgbClr val="FF0000"/>
+                </a:solidFill>
+              </a:rPr>
+              <a:t>Use</a:t>
+            </a:r>
+            <a:r>
+              <a:rPr lang="en-US" sz="2000" dirty="0"/>
+              <a:t> : </a:t>
+            </a:r>
+            <a:r>
+              <a:rPr lang="en-US" sz="2000" dirty="0">
+                <a:solidFill>
+                  <a:srgbClr val="00B0F0"/>
+                </a:solidFill>
+              </a:rPr>
+              <a:t>To store all promocode related data</a:t>
+            </a:r>
+            <a:endParaRPr lang="en-IN" sz="2000" dirty="0">
+              <a:solidFill>
+                <a:srgbClr val="00B0F0"/>
+              </a:solidFill>
+            </a:endParaRPr>
+          </a:p>
+        </p:txBody>
+      </p:sp>
+      <p:graphicFrame>
+        <p:nvGraphicFramePr>
+          <p:cNvPr id="7" name="Table 6">
+            <a:extLst>
+              <a:ext uri="{FF2B5EF4-FFF2-40B4-BE49-F238E27FC236}">
+                <a16:creationId xmlns:a16="http://schemas.microsoft.com/office/drawing/2014/main" id="{36740A7F-F73D-E951-D2CF-B9C878846D5D}"/>
+              </a:ext>
+            </a:extLst>
+          </p:cNvPr>
+          <p:cNvGraphicFramePr>
+            <a:graphicFrameLocks noGrp="1"/>
+          </p:cNvGraphicFramePr>
+          <p:nvPr>
+            <p:extLst>
+              <p:ext uri="{D42A27DB-BD31-4B8C-83A1-F6EECF244321}">
+                <p14:modId xmlns:p14="http://schemas.microsoft.com/office/powerpoint/2010/main" val="1293790099"/>
+              </p:ext>
+            </p:extLst>
+          </p:nvPr>
+        </p:nvGraphicFramePr>
+        <p:xfrm>
+          <a:off x="314633" y="1310579"/>
+          <a:ext cx="11611896" cy="4551299"/>
+        </p:xfrm>
+        <a:graphic>
+          <a:graphicData uri="http://schemas.openxmlformats.org/drawingml/2006/table">
+            <a:tbl>
+              <a:tblPr firstRow="1" bandRow="1">
+                <a:tableStyleId>{5C22544A-7EE6-4342-B048-85BDC9FD1C3A}</a:tableStyleId>
+              </a:tblPr>
+              <a:tblGrid>
+                <a:gridCol w="2251586">
+                  <a:extLst>
+                    <a:ext uri="{9D8B030D-6E8A-4147-A177-3AD203B41FA5}">
+                      <a16:colId xmlns:a16="http://schemas.microsoft.com/office/drawing/2014/main" val="2137380528"/>
+                    </a:ext>
+                  </a:extLst>
+                </a:gridCol>
+                <a:gridCol w="2547052">
+                  <a:extLst>
+                    <a:ext uri="{9D8B030D-6E8A-4147-A177-3AD203B41FA5}">
+                      <a16:colId xmlns:a16="http://schemas.microsoft.com/office/drawing/2014/main" val="2060838868"/>
+                    </a:ext>
+                  </a:extLst>
+                </a:gridCol>
+                <a:gridCol w="3401464">
+                  <a:extLst>
+                    <a:ext uri="{9D8B030D-6E8A-4147-A177-3AD203B41FA5}">
+                      <a16:colId xmlns:a16="http://schemas.microsoft.com/office/drawing/2014/main" val="4195088959"/>
+                    </a:ext>
+                  </a:extLst>
+                </a:gridCol>
+                <a:gridCol w="3411794">
+                  <a:extLst>
+                    <a:ext uri="{9D8B030D-6E8A-4147-A177-3AD203B41FA5}">
+                      <a16:colId xmlns:a16="http://schemas.microsoft.com/office/drawing/2014/main" val="1090451575"/>
+                    </a:ext>
+                  </a:extLst>
+                </a:gridCol>
+              </a:tblGrid>
+              <a:tr h="346273">
+                <a:tc>
+                  <a:txBody>
+                    <a:bodyPr/>
+                    <a:lstStyle/>
+                    <a:p>
+                      <a:r>
+                        <a:rPr lang="en-US" dirty="0"/>
+                        <a:t>Field</a:t>
+                      </a:r>
+                      <a:endParaRPr lang="en-IN" dirty="0"/>
+                    </a:p>
+                  </a:txBody>
+                  <a:tcPr/>
+                </a:tc>
+                <a:tc>
+                  <a:txBody>
+                    <a:bodyPr/>
+                    <a:lstStyle/>
+                    <a:p>
+                      <a:r>
+                        <a:rPr lang="en-US" dirty="0"/>
+                        <a:t>Type</a:t>
+                      </a:r>
+                      <a:endParaRPr lang="en-IN" dirty="0"/>
+                    </a:p>
+                  </a:txBody>
+                  <a:tcPr/>
+                </a:tc>
+                <a:tc>
+                  <a:txBody>
+                    <a:bodyPr/>
+                    <a:lstStyle/>
+                    <a:p>
+                      <a:r>
+                        <a:rPr lang="en-US" sz="1800" kern="1200" dirty="0"/>
+                        <a:t>Constraints</a:t>
+                      </a:r>
+                      <a:endParaRPr lang="en-IN" dirty="0"/>
+                    </a:p>
+                  </a:txBody>
+                  <a:tcPr/>
+                </a:tc>
+                <a:tc>
+                  <a:txBody>
+                    <a:bodyPr/>
+                    <a:lstStyle/>
+                    <a:p>
+                      <a:r>
+                        <a:rPr lang="en-US" sz="1800" kern="1200" dirty="0"/>
+                        <a:t>Description</a:t>
+                      </a:r>
+                    </a:p>
+                  </a:txBody>
+                  <a:tcPr/>
+                </a:tc>
+                <a:extLst>
+                  <a:ext uri="{0D108BD9-81ED-4DB2-BD59-A6C34878D82A}">
+                    <a16:rowId xmlns:a16="http://schemas.microsoft.com/office/drawing/2014/main" val="1258112340"/>
+                  </a:ext>
+                </a:extLst>
+              </a:tr>
+              <a:tr h="427764">
+                <a:tc>
+                  <a:txBody>
+                    <a:bodyPr/>
+                    <a:lstStyle/>
+                    <a:p>
+                      <a:r>
+                        <a:rPr lang="en-US" dirty="0"/>
+                        <a:t>c</a:t>
+                      </a:r>
+                      <a:r>
+                        <a:rPr lang="en-IN" dirty="0"/>
+                        <a:t>ode</a:t>
+                      </a:r>
+                    </a:p>
+                  </a:txBody>
+                  <a:tcPr/>
+                </a:tc>
+                <a:tc>
+                  <a:txBody>
+                    <a:bodyPr/>
+                    <a:lstStyle/>
+                    <a:p>
+                      <a:r>
+                        <a:rPr lang="en-IN" dirty="0"/>
+                        <a:t>String</a:t>
+                      </a:r>
+                    </a:p>
+                  </a:txBody>
+                  <a:tcPr/>
+                </a:tc>
+                <a:tc>
+                  <a:txBody>
+                    <a:bodyPr/>
+                    <a:lstStyle/>
+                    <a:p>
+                      <a:pPr marL="0" marR="0" lvl="0" indent="0" algn="l" defTabSz="457200" rtl="0" eaLnBrk="1" fontAlgn="auto" latinLnBrk="0" hangingPunct="1">
+                        <a:lnSpc>
+                          <a:spcPct val="100000"/>
+                        </a:lnSpc>
+                        <a:spcBef>
+                          <a:spcPts val="0"/>
+                        </a:spcBef>
+                        <a:spcAft>
+                          <a:spcPts val="0"/>
+                        </a:spcAft>
+                        <a:buClrTx/>
+                        <a:buSzTx/>
+                        <a:buFontTx/>
+                        <a:buNone/>
+                        <a:tabLst/>
+                        <a:defRPr/>
+                      </a:pPr>
+                      <a:r>
+                        <a:rPr lang="en-IN" dirty="0"/>
+                        <a:t>Required</a:t>
+                      </a:r>
+                      <a:endParaRPr lang="en-IN" sz="1800" dirty="0">
+                        <a:latin typeface="Times New Roman" pitchFamily="18" charset="0"/>
+                        <a:ea typeface="Times New Roman"/>
+                        <a:cs typeface="Times New Roman" pitchFamily="18" charset="0"/>
+                      </a:endParaRPr>
+                    </a:p>
+                  </a:txBody>
+                  <a:tcPr/>
+                </a:tc>
+                <a:tc>
+                  <a:txBody>
+                    <a:bodyPr/>
+                    <a:lstStyle/>
+                    <a:p>
+                      <a:r>
+                        <a:rPr lang="en-US" dirty="0"/>
+                        <a:t>Promocode </a:t>
+                      </a:r>
+                    </a:p>
+                  </a:txBody>
+                  <a:tcPr anchor="ctr"/>
+                </a:tc>
+                <a:extLst>
+                  <a:ext uri="{0D108BD9-81ED-4DB2-BD59-A6C34878D82A}">
+                    <a16:rowId xmlns:a16="http://schemas.microsoft.com/office/drawing/2014/main" val="3538093163"/>
+                  </a:ext>
+                </a:extLst>
+              </a:tr>
+              <a:tr h="421555">
+                <a:tc>
+                  <a:txBody>
+                    <a:bodyPr/>
+                    <a:lstStyle/>
+                    <a:p>
+                      <a:r>
+                        <a:rPr lang="en-US" dirty="0"/>
+                        <a:t>D</a:t>
+                      </a:r>
+                      <a:r>
+                        <a:rPr lang="en-IN" dirty="0" err="1"/>
+                        <a:t>iscount</a:t>
+                      </a:r>
+                      <a:r>
+                        <a:rPr lang="en-IN" dirty="0"/>
+                        <a:t> Type</a:t>
+                      </a:r>
+                    </a:p>
+                  </a:txBody>
+                  <a:tcPr anchor="ctr"/>
+                </a:tc>
+                <a:tc>
+                  <a:txBody>
+                    <a:bodyPr/>
+                    <a:lstStyle/>
+                    <a:p>
+                      <a:r>
+                        <a:rPr lang="en-IN" dirty="0"/>
+                        <a:t>String</a:t>
+                      </a:r>
+                    </a:p>
+                  </a:txBody>
+                  <a:tcPr/>
+                </a:tc>
+                <a:tc>
+                  <a:txBody>
+                    <a:bodyPr/>
+                    <a:lstStyle/>
+                    <a:p>
+                      <a:pPr>
+                        <a:lnSpc>
+                          <a:spcPct val="115000"/>
+                        </a:lnSpc>
+                        <a:spcAft>
+                          <a:spcPts val="0"/>
+                        </a:spcAft>
+                      </a:pPr>
+                      <a:r>
+                        <a:rPr lang="en-US" sz="1600" kern="1200" dirty="0">
+                          <a:latin typeface="Times New Roman" pitchFamily="18" charset="0"/>
+                          <a:ea typeface="Times New Roman"/>
+                          <a:cs typeface="Times New Roman" pitchFamily="18" charset="0"/>
+                        </a:rPr>
+                        <a:t>Required</a:t>
+                      </a:r>
+                      <a:endParaRPr lang="en-IN" sz="1600" dirty="0">
+                        <a:latin typeface="Times New Roman" pitchFamily="18" charset="0"/>
+                        <a:ea typeface="Times New Roman"/>
+                        <a:cs typeface="Times New Roman" pitchFamily="18" charset="0"/>
+                      </a:endParaRPr>
+                    </a:p>
+                  </a:txBody>
+                  <a:tcPr marL="68580" marR="68580" marT="0" marB="0"/>
+                </a:tc>
+                <a:tc>
+                  <a:txBody>
+                    <a:bodyPr/>
+                    <a:lstStyle/>
+                    <a:p>
+                      <a:pPr>
+                        <a:lnSpc>
+                          <a:spcPct val="115000"/>
+                        </a:lnSpc>
+                        <a:spcAft>
+                          <a:spcPts val="0"/>
+                        </a:spcAft>
+                      </a:pPr>
+                      <a:r>
+                        <a:rPr lang="en-US" sz="1600" dirty="0">
+                          <a:latin typeface="Times New Roman" pitchFamily="18" charset="0"/>
+                          <a:ea typeface="Times New Roman"/>
+                          <a:cs typeface="Times New Roman" pitchFamily="18" charset="0"/>
+                        </a:rPr>
+                        <a:t>percentage</a:t>
+                      </a:r>
+                      <a:endParaRPr lang="en-IN" sz="1600" dirty="0">
+                        <a:latin typeface="Times New Roman" pitchFamily="18" charset="0"/>
+                        <a:ea typeface="Times New Roman"/>
+                        <a:cs typeface="Times New Roman" pitchFamily="18" charset="0"/>
+                      </a:endParaRPr>
+                    </a:p>
+                  </a:txBody>
+                  <a:tcPr marL="68580" marR="68580" marT="0" marB="0"/>
+                </a:tc>
+                <a:extLst>
+                  <a:ext uri="{0D108BD9-81ED-4DB2-BD59-A6C34878D82A}">
+                    <a16:rowId xmlns:a16="http://schemas.microsoft.com/office/drawing/2014/main" val="2843659236"/>
+                  </a:ext>
+                </a:extLst>
+              </a:tr>
+              <a:tr h="346273">
+                <a:tc>
+                  <a:txBody>
+                    <a:bodyPr/>
+                    <a:lstStyle/>
+                    <a:p>
+                      <a:r>
+                        <a:rPr lang="en-US" dirty="0"/>
+                        <a:t>D</a:t>
+                      </a:r>
+                      <a:r>
+                        <a:rPr lang="en-IN" dirty="0" err="1"/>
+                        <a:t>iscount</a:t>
+                      </a:r>
+                      <a:r>
+                        <a:rPr lang="en-IN" dirty="0"/>
+                        <a:t> value</a:t>
+                      </a:r>
+                    </a:p>
+                  </a:txBody>
+                  <a:tcPr/>
+                </a:tc>
+                <a:tc>
+                  <a:txBody>
+                    <a:bodyPr/>
+                    <a:lstStyle/>
+                    <a:p>
+                      <a:r>
+                        <a:rPr lang="en-IN" dirty="0"/>
+                        <a:t>Number</a:t>
+                      </a:r>
+                    </a:p>
+                  </a:txBody>
+                  <a:tcPr/>
+                </a:tc>
+                <a:tc>
+                  <a:txBody>
+                    <a:bodyPr/>
+                    <a:lstStyle/>
+                    <a:p>
+                      <a:pPr>
+                        <a:lnSpc>
+                          <a:spcPct val="115000"/>
+                        </a:lnSpc>
+                        <a:spcAft>
+                          <a:spcPts val="0"/>
+                        </a:spcAft>
+                      </a:pPr>
+                      <a:r>
+                        <a:rPr lang="en-IN" sz="1600" dirty="0"/>
+                        <a:t>Required</a:t>
+                      </a:r>
+                      <a:endParaRPr lang="en-IN" sz="1600" dirty="0">
+                        <a:latin typeface="Times New Roman" pitchFamily="18" charset="0"/>
+                        <a:ea typeface="Times New Roman"/>
+                        <a:cs typeface="Times New Roman" pitchFamily="18" charset="0"/>
+                      </a:endParaRPr>
+                    </a:p>
+                  </a:txBody>
+                  <a:tcPr marL="68580" marR="68580" marT="0" marB="0"/>
+                </a:tc>
+                <a:tc>
+                  <a:txBody>
+                    <a:bodyPr/>
+                    <a:lstStyle/>
+                    <a:p>
+                      <a:pPr>
+                        <a:lnSpc>
+                          <a:spcPct val="115000"/>
+                        </a:lnSpc>
+                        <a:spcAft>
+                          <a:spcPts val="0"/>
+                        </a:spcAft>
+                      </a:pPr>
+                      <a:r>
+                        <a:rPr lang="en-US" sz="1600" dirty="0"/>
+                        <a:t>Stores the diss value.</a:t>
+                      </a:r>
+                      <a:endParaRPr lang="en-IN" sz="1600" dirty="0">
+                        <a:latin typeface="Times New Roman" pitchFamily="18" charset="0"/>
+                        <a:ea typeface="Times New Roman"/>
+                        <a:cs typeface="Times New Roman" pitchFamily="18" charset="0"/>
+                      </a:endParaRPr>
+                    </a:p>
+                  </a:txBody>
+                  <a:tcPr marL="68580" marR="68580" marT="0" marB="0"/>
+                </a:tc>
+                <a:extLst>
+                  <a:ext uri="{0D108BD9-81ED-4DB2-BD59-A6C34878D82A}">
+                    <a16:rowId xmlns:a16="http://schemas.microsoft.com/office/drawing/2014/main" val="1375294672"/>
+                  </a:ext>
+                </a:extLst>
+              </a:tr>
+              <a:tr h="638363">
+                <a:tc>
+                  <a:txBody>
+                    <a:bodyPr/>
+                    <a:lstStyle/>
+                    <a:p>
+                      <a:r>
+                        <a:rPr lang="en-US" dirty="0"/>
+                        <a:t>m</a:t>
+                      </a:r>
+                      <a:r>
+                        <a:rPr lang="en-IN" dirty="0" err="1"/>
+                        <a:t>inorderamount</a:t>
+                      </a:r>
+                      <a:endParaRPr lang="en-IN" dirty="0"/>
+                    </a:p>
+                  </a:txBody>
+                  <a:tcPr/>
+                </a:tc>
+                <a:tc>
+                  <a:txBody>
+                    <a:bodyPr/>
+                    <a:lstStyle/>
+                    <a:p>
+                      <a:r>
+                        <a:rPr lang="en-US" dirty="0"/>
+                        <a:t>N</a:t>
+                      </a:r>
+                      <a:r>
+                        <a:rPr lang="en-IN" dirty="0"/>
+                        <a:t>umber</a:t>
+                      </a:r>
+                    </a:p>
+                  </a:txBody>
+                  <a:tcPr/>
+                </a:tc>
+                <a:tc>
+                  <a:txBody>
+                    <a:bodyPr/>
+                    <a:lstStyle/>
+                    <a:p>
+                      <a:pPr>
+                        <a:lnSpc>
+                          <a:spcPct val="115000"/>
+                        </a:lnSpc>
+                        <a:spcAft>
+                          <a:spcPts val="0"/>
+                        </a:spcAft>
+                      </a:pPr>
+                      <a:r>
+                        <a:rPr lang="en-IN" sz="1600" dirty="0"/>
+                        <a:t>Required</a:t>
+                      </a:r>
+                      <a:endParaRPr lang="en-IN" sz="1600" dirty="0">
+                        <a:latin typeface="Times New Roman" pitchFamily="18" charset="0"/>
+                        <a:ea typeface="Times New Roman"/>
+                        <a:cs typeface="Times New Roman" pitchFamily="18" charset="0"/>
+                      </a:endParaRPr>
+                    </a:p>
+                  </a:txBody>
+                  <a:tcPr marL="68580" marR="68580" marT="0" marB="0"/>
+                </a:tc>
+                <a:tc>
+                  <a:txBody>
+                    <a:bodyPr/>
+                    <a:lstStyle/>
+                    <a:p>
+                      <a:r>
+                        <a:rPr lang="en-US" dirty="0"/>
+                        <a:t>Min order amt.</a:t>
+                      </a:r>
+                      <a:endParaRPr lang="en-IN" dirty="0"/>
+                    </a:p>
+                  </a:txBody>
+                  <a:tcPr anchor="ctr"/>
+                </a:tc>
+                <a:extLst>
+                  <a:ext uri="{0D108BD9-81ED-4DB2-BD59-A6C34878D82A}">
+                    <a16:rowId xmlns:a16="http://schemas.microsoft.com/office/drawing/2014/main" val="3394324996"/>
+                  </a:ext>
+                </a:extLst>
+              </a:tr>
+              <a:tr h="346273">
+                <a:tc>
+                  <a:txBody>
+                    <a:bodyPr/>
+                    <a:lstStyle/>
+                    <a:p>
+                      <a:r>
+                        <a:rPr lang="en-US" dirty="0"/>
+                        <a:t>M</a:t>
+                      </a:r>
+                      <a:r>
+                        <a:rPr lang="en-IN" dirty="0" err="1"/>
+                        <a:t>axdiscountamount</a:t>
+                      </a:r>
+                      <a:endParaRPr lang="en-IN" dirty="0"/>
+                    </a:p>
+                  </a:txBody>
+                  <a:tcPr/>
+                </a:tc>
+                <a:tc>
+                  <a:txBody>
+                    <a:bodyPr/>
+                    <a:lstStyle/>
+                    <a:p>
+                      <a:r>
+                        <a:rPr lang="en-US" dirty="0"/>
+                        <a:t>N</a:t>
+                      </a:r>
+                      <a:r>
+                        <a:rPr lang="en-IN" dirty="0"/>
+                        <a:t>umber</a:t>
+                      </a:r>
+                    </a:p>
+                  </a:txBody>
+                  <a:tcPr/>
+                </a:tc>
+                <a:tc>
+                  <a:txBody>
+                    <a:bodyPr/>
+                    <a:lstStyle/>
+                    <a:p>
+                      <a:r>
+                        <a:rPr lang="en-IN" dirty="0"/>
+                        <a:t>Required</a:t>
+                      </a:r>
+                    </a:p>
+                  </a:txBody>
+                  <a:tcPr anchor="ctr"/>
+                </a:tc>
+                <a:tc>
+                  <a:txBody>
+                    <a:bodyPr/>
+                    <a:lstStyle/>
+                    <a:p>
+                      <a:r>
+                        <a:rPr lang="en-US" dirty="0"/>
+                        <a:t>Max diss amt.</a:t>
+                      </a:r>
+                      <a:endParaRPr lang="en-IN" dirty="0"/>
+                    </a:p>
+                  </a:txBody>
+                  <a:tcPr/>
+                </a:tc>
+                <a:extLst>
+                  <a:ext uri="{0D108BD9-81ED-4DB2-BD59-A6C34878D82A}">
+                    <a16:rowId xmlns:a16="http://schemas.microsoft.com/office/drawing/2014/main" val="1417091800"/>
+                  </a:ext>
+                </a:extLst>
+              </a:tr>
+              <a:tr h="754383">
+                <a:tc>
+                  <a:txBody>
+                    <a:bodyPr/>
+                    <a:lstStyle/>
+                    <a:p>
+                      <a:r>
+                        <a:rPr lang="en-US" dirty="0"/>
+                        <a:t>E</a:t>
+                      </a:r>
+                      <a:r>
+                        <a:rPr lang="en-IN" dirty="0" err="1"/>
+                        <a:t>xpirydate</a:t>
+                      </a:r>
+                      <a:endParaRPr lang="en-IN" dirty="0"/>
+                    </a:p>
+                  </a:txBody>
+                  <a:tcPr/>
+                </a:tc>
+                <a:tc>
+                  <a:txBody>
+                    <a:bodyPr/>
+                    <a:lstStyle/>
+                    <a:p>
+                      <a:r>
+                        <a:rPr lang="en-IN" dirty="0"/>
+                        <a:t>Date</a:t>
+                      </a:r>
+                    </a:p>
+                  </a:txBody>
+                  <a:tcPr/>
+                </a:tc>
+                <a:tc>
+                  <a:txBody>
+                    <a:bodyPr/>
+                    <a:lstStyle/>
+                    <a:p>
+                      <a:r>
+                        <a:rPr lang="en-US" dirty="0"/>
+                        <a:t>R</a:t>
+                      </a:r>
+                      <a:r>
+                        <a:rPr lang="en-IN" dirty="0" err="1"/>
+                        <a:t>equired</a:t>
+                      </a:r>
+                      <a:endParaRPr lang="en-IN" dirty="0"/>
+                    </a:p>
+                  </a:txBody>
+                  <a:tcPr anchor="ctr"/>
+                </a:tc>
+                <a:tc>
+                  <a:txBody>
+                    <a:bodyPr/>
+                    <a:lstStyle/>
+                    <a:p>
+                      <a:r>
+                        <a:rPr lang="en-US" dirty="0"/>
+                        <a:t>Expiry date.</a:t>
+                      </a:r>
+                      <a:endParaRPr lang="en-IN" dirty="0"/>
+                    </a:p>
+                  </a:txBody>
+                  <a:tcPr/>
+                </a:tc>
+                <a:extLst>
+                  <a:ext uri="{0D108BD9-81ED-4DB2-BD59-A6C34878D82A}">
+                    <a16:rowId xmlns:a16="http://schemas.microsoft.com/office/drawing/2014/main" val="1062352115"/>
+                  </a:ext>
+                </a:extLst>
+              </a:tr>
+              <a:tr h="605977">
+                <a:tc>
+                  <a:txBody>
+                    <a:bodyPr/>
+                    <a:lstStyle/>
+                    <a:p>
+                      <a:r>
+                        <a:rPr lang="en-US" dirty="0"/>
+                        <a:t>u</a:t>
+                      </a:r>
+                      <a:r>
+                        <a:rPr lang="en-IN" dirty="0" err="1"/>
+                        <a:t>sagelimit</a:t>
+                      </a:r>
+                      <a:endParaRPr lang="en-IN" dirty="0"/>
+                    </a:p>
+                  </a:txBody>
+                  <a:tcPr/>
+                </a:tc>
+                <a:tc>
+                  <a:txBody>
+                    <a:bodyPr/>
+                    <a:lstStyle/>
+                    <a:p>
+                      <a:r>
+                        <a:rPr lang="en-US" dirty="0"/>
+                        <a:t>N</a:t>
+                      </a:r>
+                      <a:r>
+                        <a:rPr lang="en-IN" dirty="0"/>
+                        <a:t>umber</a:t>
+                      </a:r>
+                    </a:p>
+                  </a:txBody>
+                  <a:tcPr/>
+                </a:tc>
+                <a:tc>
+                  <a:txBody>
+                    <a:bodyPr/>
+                    <a:lstStyle/>
+                    <a:p>
+                      <a:r>
+                        <a:rPr lang="en-US" dirty="0"/>
+                        <a:t>D</a:t>
+                      </a:r>
+                      <a:r>
+                        <a:rPr lang="en-IN" dirty="0"/>
+                        <a:t>efoult:1</a:t>
+                      </a:r>
+                    </a:p>
+                  </a:txBody>
+                  <a:tcPr anchor="ctr"/>
+                </a:tc>
+                <a:tc>
+                  <a:txBody>
+                    <a:bodyPr/>
+                    <a:lstStyle/>
+                    <a:p>
+                      <a:r>
+                        <a:rPr lang="en-US" dirty="0"/>
+                        <a:t>Usage limit</a:t>
+                      </a:r>
+                      <a:endParaRPr lang="en-IN" dirty="0"/>
+                    </a:p>
+                  </a:txBody>
+                  <a:tcPr/>
+                </a:tc>
+                <a:extLst>
+                  <a:ext uri="{0D108BD9-81ED-4DB2-BD59-A6C34878D82A}">
+                    <a16:rowId xmlns:a16="http://schemas.microsoft.com/office/drawing/2014/main" val="2330788217"/>
+                  </a:ext>
+                </a:extLst>
+              </a:tr>
+              <a:tr h="605977">
+                <a:tc>
+                  <a:txBody>
+                    <a:bodyPr/>
+                    <a:lstStyle/>
+                    <a:p>
+                      <a:r>
+                        <a:rPr lang="en-US" dirty="0" err="1"/>
+                        <a:t>isactive</a:t>
+                      </a:r>
+                      <a:endParaRPr lang="en-IN" dirty="0"/>
+                    </a:p>
+                  </a:txBody>
+                  <a:tcPr/>
+                </a:tc>
+                <a:tc>
+                  <a:txBody>
+                    <a:bodyPr/>
+                    <a:lstStyle/>
+                    <a:p>
+                      <a:r>
+                        <a:rPr lang="en-US" dirty="0"/>
+                        <a:t>B</a:t>
+                      </a:r>
+                      <a:r>
+                        <a:rPr lang="en-IN" dirty="0" err="1"/>
+                        <a:t>oolean</a:t>
+                      </a:r>
+                      <a:endParaRPr lang="en-IN" dirty="0"/>
+                    </a:p>
+                  </a:txBody>
+                  <a:tcPr/>
+                </a:tc>
+                <a:tc>
+                  <a:txBody>
+                    <a:bodyPr/>
+                    <a:lstStyle/>
+                    <a:p>
+                      <a:r>
+                        <a:rPr lang="en-US" dirty="0" err="1"/>
+                        <a:t>Defoult</a:t>
+                      </a:r>
+                      <a:r>
+                        <a:rPr lang="en-US" dirty="0"/>
+                        <a:t>: false</a:t>
+                      </a:r>
+                      <a:endParaRPr lang="en-IN" dirty="0"/>
+                    </a:p>
+                  </a:txBody>
+                  <a:tcPr anchor="ctr"/>
+                </a:tc>
+                <a:tc>
+                  <a:txBody>
+                    <a:bodyPr/>
+                    <a:lstStyle/>
+                    <a:p>
+                      <a:r>
+                        <a:rPr lang="en-US" dirty="0"/>
+                        <a:t>status</a:t>
+                      </a:r>
+                      <a:endParaRPr lang="en-IN" dirty="0"/>
+                    </a:p>
+                  </a:txBody>
+                  <a:tcPr/>
+                </a:tc>
+                <a:extLst>
+                  <a:ext uri="{0D108BD9-81ED-4DB2-BD59-A6C34878D82A}">
+                    <a16:rowId xmlns:a16="http://schemas.microsoft.com/office/drawing/2014/main" val="343046690"/>
+                  </a:ext>
+                </a:extLst>
+              </a:tr>
+            </a:tbl>
+          </a:graphicData>
+        </a:graphic>
+      </p:graphicFrame>
+    </p:spTree>
+    <p:extLst>
+      <p:ext uri="{BB962C8B-B14F-4D97-AF65-F5344CB8AC3E}">
+        <p14:creationId xmlns:p14="http://schemas.microsoft.com/office/powerpoint/2010/main" val="2492127547"/>
+      </p:ext>
+    </p:extLst>
+  </p:cSld>
+  <p:clrMapOvr>
+    <a:masterClrMapping/>
+  </p:clrMapOvr>
+</p:sld>
+</file>
+
+<file path=ppt/slides/slide23.xml><?xml version="1.0" encoding="utf-8"?>
+<p:sld xmlns:a="http://schemas.openxmlformats.org/drawingml/2006/main" xmlns:r="http://schemas.openxmlformats.org/officeDocument/2006/relationships" xmlns:p="http://schemas.openxmlformats.org/presentationml/2006/main">
+  <p:cSld>
+    <p:spTree>
+      <p:nvGrpSpPr>
+        <p:cNvPr id="1" name="">
+          <a:extLst>
+            <a:ext uri="{FF2B5EF4-FFF2-40B4-BE49-F238E27FC236}">
+              <a16:creationId xmlns:a16="http://schemas.microsoft.com/office/drawing/2014/main" id="{6619E857-38BD-A04A-B4DF-A48550FE3C46}"/>
+            </a:ext>
+          </a:extLst>
+        </p:cNvPr>
+        <p:cNvGrpSpPr/>
+        <p:nvPr/>
+      </p:nvGrpSpPr>
+      <p:grpSpPr>
+        <a:xfrm>
+          <a:off x="0" y="0"/>
+          <a:ext cx="0" cy="0"/>
+          <a:chOff x="0" y="0"/>
+          <a:chExt cx="0" cy="0"/>
+        </a:xfrm>
+      </p:grpSpPr>
+      <p:sp>
+        <p:nvSpPr>
+          <p:cNvPr id="2" name="TextBox 1">
+            <a:extLst>
+              <a:ext uri="{FF2B5EF4-FFF2-40B4-BE49-F238E27FC236}">
+                <a16:creationId xmlns:a16="http://schemas.microsoft.com/office/drawing/2014/main" id="{3C6F27AA-F22E-37A9-BE8A-A02ED27DF1A2}"/>
+              </a:ext>
+            </a:extLst>
+          </p:cNvPr>
+          <p:cNvSpPr txBox="1"/>
+          <p:nvPr/>
+        </p:nvSpPr>
+        <p:spPr>
+          <a:xfrm>
+            <a:off x="373626" y="334297"/>
+            <a:ext cx="4994787" cy="707886"/>
+          </a:xfrm>
+          <a:prstGeom prst="rect">
+            <a:avLst/>
+          </a:prstGeom>
+          <a:noFill/>
+        </p:spPr>
+        <p:txBody>
+          <a:bodyPr wrap="square" rtlCol="0">
+            <a:spAutoFit/>
+          </a:bodyPr>
+          <a:lstStyle/>
+          <a:p>
+            <a:r>
+              <a:rPr lang="en-US" sz="2000" dirty="0">
+                <a:solidFill>
+                  <a:srgbClr val="FF0000"/>
+                </a:solidFill>
+              </a:rPr>
+              <a:t>Table Name </a:t>
+            </a:r>
+            <a:r>
+              <a:rPr lang="en-US" sz="2000" dirty="0"/>
+              <a:t>: </a:t>
+            </a:r>
+            <a:r>
+              <a:rPr lang="en-US" sz="2000" dirty="0">
+                <a:solidFill>
+                  <a:srgbClr val="00B0F0"/>
+                </a:solidFill>
+              </a:rPr>
+              <a:t>Admin</a:t>
+            </a:r>
+          </a:p>
+          <a:p>
+            <a:r>
+              <a:rPr lang="en-US" sz="2000" dirty="0">
+                <a:solidFill>
+                  <a:srgbClr val="FF0000"/>
+                </a:solidFill>
+              </a:rPr>
+              <a:t>Use</a:t>
+            </a:r>
+            <a:r>
+              <a:rPr lang="en-US" sz="2000" dirty="0"/>
+              <a:t> : </a:t>
+            </a:r>
+            <a:r>
+              <a:rPr lang="en-US" sz="2000" dirty="0">
+                <a:solidFill>
+                  <a:srgbClr val="00B0F0"/>
+                </a:solidFill>
+              </a:rPr>
+              <a:t>To store all admin related data</a:t>
+            </a:r>
+            <a:endParaRPr lang="en-IN" sz="2000" dirty="0">
+              <a:solidFill>
+                <a:srgbClr val="00B0F0"/>
+              </a:solidFill>
+            </a:endParaRPr>
+          </a:p>
+        </p:txBody>
+      </p:sp>
+      <p:graphicFrame>
+        <p:nvGraphicFramePr>
+          <p:cNvPr id="7" name="Table 6">
+            <a:extLst>
+              <a:ext uri="{FF2B5EF4-FFF2-40B4-BE49-F238E27FC236}">
+                <a16:creationId xmlns:a16="http://schemas.microsoft.com/office/drawing/2014/main" id="{C98AAB11-1D95-1A50-A344-650D907CE228}"/>
+              </a:ext>
+            </a:extLst>
+          </p:cNvPr>
+          <p:cNvGraphicFramePr>
+            <a:graphicFrameLocks noGrp="1"/>
+          </p:cNvGraphicFramePr>
+          <p:nvPr>
+            <p:extLst>
+              <p:ext uri="{D42A27DB-BD31-4B8C-83A1-F6EECF244321}">
+                <p14:modId xmlns:p14="http://schemas.microsoft.com/office/powerpoint/2010/main" val="4018076174"/>
+              </p:ext>
+            </p:extLst>
+          </p:nvPr>
+        </p:nvGraphicFramePr>
+        <p:xfrm>
+          <a:off x="314633" y="1310579"/>
+          <a:ext cx="11611896" cy="4407189"/>
+        </p:xfrm>
+        <a:graphic>
+          <a:graphicData uri="http://schemas.openxmlformats.org/drawingml/2006/table">
+            <a:tbl>
+              <a:tblPr firstRow="1" bandRow="1">
+                <a:tableStyleId>{5C22544A-7EE6-4342-B048-85BDC9FD1C3A}</a:tableStyleId>
+              </a:tblPr>
+              <a:tblGrid>
+                <a:gridCol w="1641986">
+                  <a:extLst>
+                    <a:ext uri="{9D8B030D-6E8A-4147-A177-3AD203B41FA5}">
+                      <a16:colId xmlns:a16="http://schemas.microsoft.com/office/drawing/2014/main" val="2137380528"/>
+                    </a:ext>
+                  </a:extLst>
+                </a:gridCol>
+                <a:gridCol w="3156652">
+                  <a:extLst>
+                    <a:ext uri="{9D8B030D-6E8A-4147-A177-3AD203B41FA5}">
+                      <a16:colId xmlns:a16="http://schemas.microsoft.com/office/drawing/2014/main" val="2060838868"/>
+                    </a:ext>
+                  </a:extLst>
+                </a:gridCol>
+                <a:gridCol w="3401464">
+                  <a:extLst>
+                    <a:ext uri="{9D8B030D-6E8A-4147-A177-3AD203B41FA5}">
+                      <a16:colId xmlns:a16="http://schemas.microsoft.com/office/drawing/2014/main" val="4195088959"/>
+                    </a:ext>
+                  </a:extLst>
+                </a:gridCol>
+                <a:gridCol w="3411794">
+                  <a:extLst>
+                    <a:ext uri="{9D8B030D-6E8A-4147-A177-3AD203B41FA5}">
+                      <a16:colId xmlns:a16="http://schemas.microsoft.com/office/drawing/2014/main" val="1090451575"/>
+                    </a:ext>
+                  </a:extLst>
+                </a:gridCol>
+              </a:tblGrid>
+              <a:tr h="346273">
+                <a:tc>
+                  <a:txBody>
+                    <a:bodyPr/>
+                    <a:lstStyle/>
+                    <a:p>
+                      <a:r>
+                        <a:rPr lang="en-US" dirty="0"/>
+                        <a:t>Field</a:t>
+                      </a:r>
+                      <a:endParaRPr lang="en-IN" dirty="0"/>
+                    </a:p>
+                  </a:txBody>
+                  <a:tcPr/>
+                </a:tc>
+                <a:tc>
+                  <a:txBody>
+                    <a:bodyPr/>
+                    <a:lstStyle/>
+                    <a:p>
+                      <a:r>
+                        <a:rPr lang="en-US" dirty="0"/>
+                        <a:t>Type</a:t>
+                      </a:r>
+                      <a:endParaRPr lang="en-IN" dirty="0"/>
+                    </a:p>
+                  </a:txBody>
+                  <a:tcPr/>
+                </a:tc>
+                <a:tc>
+                  <a:txBody>
+                    <a:bodyPr/>
+                    <a:lstStyle/>
+                    <a:p>
+                      <a:r>
+                        <a:rPr lang="en-US" sz="1800" kern="1200" dirty="0"/>
+                        <a:t>Constraints</a:t>
+                      </a:r>
+                      <a:endParaRPr lang="en-IN" dirty="0"/>
+                    </a:p>
+                  </a:txBody>
+                  <a:tcPr/>
+                </a:tc>
+                <a:tc>
+                  <a:txBody>
+                    <a:bodyPr/>
+                    <a:lstStyle/>
+                    <a:p>
+                      <a:r>
+                        <a:rPr lang="en-US" sz="1800" kern="1200" dirty="0"/>
+                        <a:t>Description</a:t>
+                      </a:r>
+                    </a:p>
+                  </a:txBody>
+                  <a:tcPr/>
+                </a:tc>
+                <a:extLst>
+                  <a:ext uri="{0D108BD9-81ED-4DB2-BD59-A6C34878D82A}">
+                    <a16:rowId xmlns:a16="http://schemas.microsoft.com/office/drawing/2014/main" val="1258112340"/>
+                  </a:ext>
+                </a:extLst>
+              </a:tr>
+              <a:tr h="427764">
+                <a:tc>
+                  <a:txBody>
+                    <a:bodyPr/>
+                    <a:lstStyle/>
+                    <a:p>
+                      <a:r>
+                        <a:rPr lang="en-US" dirty="0" err="1"/>
+                        <a:t>firstname</a:t>
+                      </a:r>
+                      <a:endParaRPr lang="en-IN" dirty="0"/>
+                    </a:p>
+                  </a:txBody>
+                  <a:tcPr/>
+                </a:tc>
+                <a:tc>
+                  <a:txBody>
+                    <a:bodyPr/>
+                    <a:lstStyle/>
+                    <a:p>
+                      <a:r>
+                        <a:rPr lang="en-IN" dirty="0"/>
+                        <a:t>String</a:t>
+                      </a:r>
+                    </a:p>
+                  </a:txBody>
+                  <a:tcPr/>
+                </a:tc>
+                <a:tc>
+                  <a:txBody>
+                    <a:bodyPr/>
+                    <a:lstStyle/>
+                    <a:p>
+                      <a:pPr marL="0" marR="0" lvl="0" indent="0" algn="l" defTabSz="457200" rtl="0" eaLnBrk="1" fontAlgn="auto" latinLnBrk="0" hangingPunct="1">
+                        <a:lnSpc>
+                          <a:spcPct val="100000"/>
+                        </a:lnSpc>
+                        <a:spcBef>
+                          <a:spcPts val="0"/>
+                        </a:spcBef>
+                        <a:spcAft>
+                          <a:spcPts val="0"/>
+                        </a:spcAft>
+                        <a:buClrTx/>
+                        <a:buSzTx/>
+                        <a:buFontTx/>
+                        <a:buNone/>
+                        <a:tabLst/>
+                        <a:defRPr/>
+                      </a:pPr>
+                      <a:r>
+                        <a:rPr lang="en-IN" dirty="0"/>
+                        <a:t>Required</a:t>
+                      </a:r>
+                      <a:endParaRPr lang="en-IN" sz="1800" dirty="0">
+                        <a:latin typeface="Times New Roman" pitchFamily="18" charset="0"/>
+                        <a:ea typeface="Times New Roman"/>
+                        <a:cs typeface="Times New Roman" pitchFamily="18" charset="0"/>
+                      </a:endParaRPr>
+                    </a:p>
+                  </a:txBody>
+                  <a:tcPr/>
+                </a:tc>
+                <a:tc>
+                  <a:txBody>
+                    <a:bodyPr/>
+                    <a:lstStyle/>
+                    <a:p>
+                      <a:r>
+                        <a:rPr lang="en-US" dirty="0"/>
+                        <a:t>Stores the name of the admin.</a:t>
+                      </a:r>
+                    </a:p>
+                  </a:txBody>
+                  <a:tcPr anchor="ctr"/>
+                </a:tc>
+                <a:extLst>
+                  <a:ext uri="{0D108BD9-81ED-4DB2-BD59-A6C34878D82A}">
+                    <a16:rowId xmlns:a16="http://schemas.microsoft.com/office/drawing/2014/main" val="4126632909"/>
+                  </a:ext>
+                </a:extLst>
+              </a:tr>
+              <a:tr h="427764">
+                <a:tc>
+                  <a:txBody>
+                    <a:bodyPr/>
+                    <a:lstStyle/>
+                    <a:p>
+                      <a:r>
+                        <a:rPr lang="en-IN" dirty="0" err="1"/>
+                        <a:t>lastname</a:t>
+                      </a:r>
+                      <a:endParaRPr lang="en-IN" dirty="0"/>
+                    </a:p>
+                  </a:txBody>
+                  <a:tcPr/>
+                </a:tc>
+                <a:tc>
+                  <a:txBody>
+                    <a:bodyPr/>
+                    <a:lstStyle/>
+                    <a:p>
+                      <a:r>
+                        <a:rPr lang="en-IN" dirty="0"/>
+                        <a:t>String</a:t>
+                      </a:r>
+                    </a:p>
+                  </a:txBody>
+                  <a:tcPr/>
+                </a:tc>
+                <a:tc>
+                  <a:txBody>
+                    <a:bodyPr/>
+                    <a:lstStyle/>
+                    <a:p>
+                      <a:pPr marL="0" marR="0" lvl="0" indent="0" algn="l" defTabSz="457200" rtl="0" eaLnBrk="1" fontAlgn="auto" latinLnBrk="0" hangingPunct="1">
+                        <a:lnSpc>
+                          <a:spcPct val="100000"/>
+                        </a:lnSpc>
+                        <a:spcBef>
+                          <a:spcPts val="0"/>
+                        </a:spcBef>
+                        <a:spcAft>
+                          <a:spcPts val="0"/>
+                        </a:spcAft>
+                        <a:buClrTx/>
+                        <a:buSzTx/>
+                        <a:buFontTx/>
+                        <a:buNone/>
+                        <a:tabLst/>
+                        <a:defRPr/>
+                      </a:pPr>
+                      <a:r>
+                        <a:rPr lang="en-IN" dirty="0"/>
+                        <a:t>Required</a:t>
+                      </a:r>
+                      <a:endParaRPr lang="en-IN" sz="1800" dirty="0">
+                        <a:latin typeface="Times New Roman" pitchFamily="18" charset="0"/>
+                        <a:ea typeface="Times New Roman"/>
+                        <a:cs typeface="Times New Roman" pitchFamily="18" charset="0"/>
+                      </a:endParaRPr>
+                    </a:p>
+                  </a:txBody>
+                  <a:tcPr/>
+                </a:tc>
+                <a:tc>
+                  <a:txBody>
+                    <a:bodyPr/>
+                    <a:lstStyle/>
+                    <a:p>
+                      <a:r>
+                        <a:rPr lang="en-US" dirty="0"/>
+                        <a:t>Stores the name of the admin.</a:t>
+                      </a:r>
+                    </a:p>
+                  </a:txBody>
+                  <a:tcPr anchor="ctr"/>
+                </a:tc>
+                <a:extLst>
+                  <a:ext uri="{0D108BD9-81ED-4DB2-BD59-A6C34878D82A}">
+                    <a16:rowId xmlns:a16="http://schemas.microsoft.com/office/drawing/2014/main" val="3538093163"/>
+                  </a:ext>
+                </a:extLst>
+              </a:tr>
+              <a:tr h="421555">
+                <a:tc>
+                  <a:txBody>
+                    <a:bodyPr/>
+                    <a:lstStyle/>
+                    <a:p>
+                      <a:r>
+                        <a:rPr lang="en-IN" dirty="0" err="1"/>
+                        <a:t>dateofjoingng</a:t>
+                      </a:r>
+                      <a:endParaRPr lang="en-IN" dirty="0"/>
+                    </a:p>
+                  </a:txBody>
+                  <a:tcPr anchor="ctr"/>
+                </a:tc>
+                <a:tc>
+                  <a:txBody>
+                    <a:bodyPr/>
+                    <a:lstStyle/>
+                    <a:p>
+                      <a:r>
+                        <a:rPr lang="en-US" dirty="0"/>
+                        <a:t>D</a:t>
+                      </a:r>
+                      <a:r>
+                        <a:rPr lang="en-IN" dirty="0"/>
+                        <a:t>ate </a:t>
+                      </a:r>
+                    </a:p>
+                  </a:txBody>
+                  <a:tcPr/>
+                </a:tc>
+                <a:tc>
+                  <a:txBody>
+                    <a:bodyPr/>
+                    <a:lstStyle/>
+                    <a:p>
+                      <a:pPr>
+                        <a:lnSpc>
+                          <a:spcPct val="115000"/>
+                        </a:lnSpc>
+                        <a:spcAft>
+                          <a:spcPts val="0"/>
+                        </a:spcAft>
+                      </a:pPr>
+                      <a:r>
+                        <a:rPr lang="en-US" sz="1600" kern="1200" dirty="0">
+                          <a:latin typeface="Times New Roman" pitchFamily="18" charset="0"/>
+                          <a:ea typeface="Times New Roman"/>
+                          <a:cs typeface="Times New Roman" pitchFamily="18" charset="0"/>
+                        </a:rPr>
+                        <a:t>Required</a:t>
+                      </a:r>
+                      <a:endParaRPr lang="en-IN" sz="1600" dirty="0">
+                        <a:latin typeface="Times New Roman" pitchFamily="18" charset="0"/>
+                        <a:ea typeface="Times New Roman"/>
+                        <a:cs typeface="Times New Roman" pitchFamily="18" charset="0"/>
+                      </a:endParaRPr>
+                    </a:p>
+                  </a:txBody>
+                  <a:tcPr marL="68580" marR="68580" marT="0" marB="0"/>
+                </a:tc>
+                <a:tc>
+                  <a:txBody>
+                    <a:bodyPr/>
+                    <a:lstStyle/>
+                    <a:p>
+                      <a:pPr>
+                        <a:lnSpc>
+                          <a:spcPct val="115000"/>
+                        </a:lnSpc>
+                        <a:spcAft>
+                          <a:spcPts val="0"/>
+                        </a:spcAft>
+                      </a:pPr>
+                      <a:r>
+                        <a:rPr lang="en-US" sz="1600" dirty="0">
+                          <a:latin typeface="Times New Roman" pitchFamily="18" charset="0"/>
+                          <a:ea typeface="Times New Roman"/>
+                          <a:cs typeface="Times New Roman" pitchFamily="18" charset="0"/>
+                        </a:rPr>
+                        <a:t>Date of joining.</a:t>
+                      </a:r>
+                      <a:endParaRPr lang="en-IN" sz="1600" dirty="0">
+                        <a:latin typeface="Times New Roman" pitchFamily="18" charset="0"/>
+                        <a:ea typeface="Times New Roman"/>
+                        <a:cs typeface="Times New Roman" pitchFamily="18" charset="0"/>
+                      </a:endParaRPr>
+                    </a:p>
+                  </a:txBody>
+                  <a:tcPr marL="68580" marR="68580" marT="0" marB="0"/>
+                </a:tc>
+                <a:extLst>
+                  <a:ext uri="{0D108BD9-81ED-4DB2-BD59-A6C34878D82A}">
+                    <a16:rowId xmlns:a16="http://schemas.microsoft.com/office/drawing/2014/main" val="2843659236"/>
+                  </a:ext>
+                </a:extLst>
+              </a:tr>
+              <a:tr h="346273">
+                <a:tc>
+                  <a:txBody>
+                    <a:bodyPr/>
+                    <a:lstStyle/>
+                    <a:p>
+                      <a:r>
+                        <a:rPr lang="en-US" dirty="0"/>
+                        <a:t>e</a:t>
+                      </a:r>
+                      <a:r>
+                        <a:rPr lang="en-IN" dirty="0"/>
+                        <a:t>mail</a:t>
+                      </a:r>
+                    </a:p>
+                  </a:txBody>
+                  <a:tcPr/>
+                </a:tc>
+                <a:tc>
+                  <a:txBody>
+                    <a:bodyPr/>
+                    <a:lstStyle/>
+                    <a:p>
+                      <a:r>
+                        <a:rPr lang="en-IN" dirty="0"/>
+                        <a:t>Number</a:t>
+                      </a:r>
+                    </a:p>
+                  </a:txBody>
+                  <a:tcPr/>
+                </a:tc>
+                <a:tc>
+                  <a:txBody>
+                    <a:bodyPr/>
+                    <a:lstStyle/>
+                    <a:p>
+                      <a:pPr>
+                        <a:lnSpc>
+                          <a:spcPct val="115000"/>
+                        </a:lnSpc>
+                        <a:spcAft>
+                          <a:spcPts val="0"/>
+                        </a:spcAft>
+                      </a:pPr>
+                      <a:r>
+                        <a:rPr lang="en-IN" sz="1600" dirty="0"/>
+                        <a:t>Required</a:t>
+                      </a:r>
+                      <a:endParaRPr lang="en-IN" sz="1600" dirty="0">
+                        <a:latin typeface="Times New Roman" pitchFamily="18" charset="0"/>
+                        <a:ea typeface="Times New Roman"/>
+                        <a:cs typeface="Times New Roman" pitchFamily="18" charset="0"/>
+                      </a:endParaRPr>
+                    </a:p>
+                  </a:txBody>
+                  <a:tcPr marL="68580" marR="68580" marT="0" marB="0"/>
+                </a:tc>
+                <a:tc>
+                  <a:txBody>
+                    <a:bodyPr/>
+                    <a:lstStyle/>
+                    <a:p>
+                      <a:pPr>
+                        <a:lnSpc>
+                          <a:spcPct val="115000"/>
+                        </a:lnSpc>
+                        <a:spcAft>
+                          <a:spcPts val="0"/>
+                        </a:spcAft>
+                      </a:pPr>
+                      <a:r>
+                        <a:rPr lang="en-US" sz="1600" dirty="0">
+                          <a:latin typeface="Times New Roman" pitchFamily="18" charset="0"/>
+                          <a:ea typeface="Times New Roman"/>
+                          <a:cs typeface="Times New Roman" pitchFamily="18" charset="0"/>
+                        </a:rPr>
+                        <a:t>Email of admin</a:t>
+                      </a:r>
+                      <a:endParaRPr lang="en-IN" sz="1600" dirty="0">
+                        <a:latin typeface="Times New Roman" pitchFamily="18" charset="0"/>
+                        <a:ea typeface="Times New Roman"/>
+                        <a:cs typeface="Times New Roman" pitchFamily="18" charset="0"/>
+                      </a:endParaRPr>
+                    </a:p>
+                  </a:txBody>
+                  <a:tcPr marL="68580" marR="68580" marT="0" marB="0"/>
+                </a:tc>
+                <a:extLst>
+                  <a:ext uri="{0D108BD9-81ED-4DB2-BD59-A6C34878D82A}">
+                    <a16:rowId xmlns:a16="http://schemas.microsoft.com/office/drawing/2014/main" val="1375294672"/>
+                  </a:ext>
+                </a:extLst>
+              </a:tr>
+              <a:tr h="638363">
+                <a:tc>
+                  <a:txBody>
+                    <a:bodyPr/>
+                    <a:lstStyle/>
+                    <a:p>
+                      <a:r>
+                        <a:rPr lang="en-US" dirty="0"/>
+                        <a:t>m</a:t>
+                      </a:r>
+                      <a:r>
+                        <a:rPr lang="en-IN" dirty="0" err="1"/>
+                        <a:t>obilenumber</a:t>
+                      </a:r>
+                      <a:endParaRPr lang="en-IN" dirty="0"/>
+                    </a:p>
+                  </a:txBody>
+                  <a:tcPr/>
+                </a:tc>
+                <a:tc>
+                  <a:txBody>
+                    <a:bodyPr/>
+                    <a:lstStyle/>
+                    <a:p>
+                      <a:r>
+                        <a:rPr lang="en-IN" dirty="0"/>
+                        <a:t>String</a:t>
+                      </a:r>
+                    </a:p>
+                  </a:txBody>
+                  <a:tcPr/>
+                </a:tc>
+                <a:tc>
+                  <a:txBody>
+                    <a:bodyPr/>
+                    <a:lstStyle/>
+                    <a:p>
+                      <a:pPr>
+                        <a:lnSpc>
+                          <a:spcPct val="115000"/>
+                        </a:lnSpc>
+                        <a:spcAft>
+                          <a:spcPts val="0"/>
+                        </a:spcAft>
+                      </a:pPr>
+                      <a:r>
+                        <a:rPr lang="en-IN" sz="1600" dirty="0"/>
+                        <a:t>Required</a:t>
+                      </a:r>
+                      <a:endParaRPr lang="en-IN" sz="1600" dirty="0">
+                        <a:latin typeface="Times New Roman" pitchFamily="18" charset="0"/>
+                        <a:ea typeface="Times New Roman"/>
+                        <a:cs typeface="Times New Roman" pitchFamily="18" charset="0"/>
+                      </a:endParaRPr>
+                    </a:p>
+                  </a:txBody>
+                  <a:tcPr marL="68580" marR="68580" marT="0" marB="0"/>
+                </a:tc>
+                <a:tc>
+                  <a:txBody>
+                    <a:bodyPr/>
+                    <a:lstStyle/>
+                    <a:p>
+                      <a:r>
+                        <a:rPr lang="en-US" dirty="0"/>
+                        <a:t>Number of admin.</a:t>
+                      </a:r>
+                      <a:endParaRPr lang="en-IN" dirty="0"/>
+                    </a:p>
+                  </a:txBody>
+                  <a:tcPr anchor="ctr"/>
+                </a:tc>
+                <a:extLst>
+                  <a:ext uri="{0D108BD9-81ED-4DB2-BD59-A6C34878D82A}">
+                    <a16:rowId xmlns:a16="http://schemas.microsoft.com/office/drawing/2014/main" val="3394324996"/>
+                  </a:ext>
+                </a:extLst>
+              </a:tr>
+              <a:tr h="346273">
+                <a:tc>
+                  <a:txBody>
+                    <a:bodyPr/>
+                    <a:lstStyle/>
+                    <a:p>
+                      <a:r>
+                        <a:rPr lang="en-US" dirty="0"/>
+                        <a:t>a</a:t>
+                      </a:r>
+                      <a:r>
+                        <a:rPr lang="en-IN" dirty="0" err="1"/>
+                        <a:t>ddress</a:t>
+                      </a:r>
+                      <a:endParaRPr lang="en-IN" dirty="0"/>
+                    </a:p>
+                  </a:txBody>
+                  <a:tcPr/>
+                </a:tc>
+                <a:tc>
+                  <a:txBody>
+                    <a:bodyPr/>
+                    <a:lstStyle/>
+                    <a:p>
+                      <a:r>
+                        <a:rPr lang="en-IN" dirty="0"/>
+                        <a:t>String</a:t>
+                      </a:r>
+                    </a:p>
+                  </a:txBody>
+                  <a:tcPr/>
+                </a:tc>
+                <a:tc>
+                  <a:txBody>
+                    <a:bodyPr/>
+                    <a:lstStyle/>
+                    <a:p>
+                      <a:r>
+                        <a:rPr lang="en-IN" dirty="0"/>
+                        <a:t>Required</a:t>
+                      </a:r>
+                    </a:p>
+                  </a:txBody>
+                  <a:tcPr anchor="ctr"/>
+                </a:tc>
+                <a:tc>
+                  <a:txBody>
+                    <a:bodyPr/>
+                    <a:lstStyle/>
+                    <a:p>
+                      <a:r>
+                        <a:rPr lang="en-US" dirty="0"/>
+                        <a:t>Address of admin.</a:t>
+                      </a:r>
+                      <a:endParaRPr lang="en-IN" dirty="0"/>
+                    </a:p>
+                  </a:txBody>
+                  <a:tcPr/>
+                </a:tc>
+                <a:extLst>
+                  <a:ext uri="{0D108BD9-81ED-4DB2-BD59-A6C34878D82A}">
+                    <a16:rowId xmlns:a16="http://schemas.microsoft.com/office/drawing/2014/main" val="1417091800"/>
+                  </a:ext>
+                </a:extLst>
+              </a:tr>
+              <a:tr h="754383">
+                <a:tc>
+                  <a:txBody>
+                    <a:bodyPr/>
+                    <a:lstStyle/>
+                    <a:p>
+                      <a:r>
+                        <a:rPr lang="en-US" dirty="0"/>
+                        <a:t>p</a:t>
+                      </a:r>
+                      <a:r>
+                        <a:rPr lang="en-IN" dirty="0" err="1"/>
+                        <a:t>assword</a:t>
+                      </a:r>
+                      <a:endParaRPr lang="en-IN" dirty="0"/>
+                    </a:p>
+                  </a:txBody>
+                  <a:tcPr/>
+                </a:tc>
+                <a:tc>
+                  <a:txBody>
+                    <a:bodyPr/>
+                    <a:lstStyle/>
+                    <a:p>
+                      <a:pPr marL="0" marR="0" lvl="0" indent="0" algn="l" defTabSz="457200" rtl="0" eaLnBrk="1" fontAlgn="auto" latinLnBrk="0" hangingPunct="1">
+                        <a:lnSpc>
+                          <a:spcPct val="100000"/>
+                        </a:lnSpc>
+                        <a:spcBef>
+                          <a:spcPts val="0"/>
+                        </a:spcBef>
+                        <a:spcAft>
+                          <a:spcPts val="0"/>
+                        </a:spcAft>
+                        <a:buClrTx/>
+                        <a:buSzTx/>
+                        <a:buFontTx/>
+                        <a:buNone/>
+                        <a:tabLst/>
+                        <a:defRPr/>
+                      </a:pPr>
+                      <a:r>
+                        <a:rPr lang="en-IN" dirty="0"/>
+                        <a:t>String</a:t>
+                      </a:r>
+                    </a:p>
+                    <a:p>
+                      <a:endParaRPr lang="en-IN" dirty="0"/>
+                    </a:p>
+                  </a:txBody>
+                  <a:tcPr/>
+                </a:tc>
+                <a:tc>
+                  <a:txBody>
+                    <a:bodyPr/>
+                    <a:lstStyle/>
+                    <a:p>
+                      <a:r>
+                        <a:rPr lang="en-IN" dirty="0"/>
+                        <a:t>Required</a:t>
+                      </a:r>
+                    </a:p>
+                  </a:txBody>
+                  <a:tcPr anchor="ctr"/>
+                </a:tc>
+                <a:tc>
+                  <a:txBody>
+                    <a:bodyPr/>
+                    <a:lstStyle/>
+                    <a:p>
+                      <a:r>
+                        <a:rPr lang="en-US" dirty="0"/>
+                        <a:t>Password.</a:t>
+                      </a:r>
+                      <a:endParaRPr lang="en-IN" dirty="0"/>
+                    </a:p>
+                  </a:txBody>
+                  <a:tcPr/>
+                </a:tc>
+                <a:extLst>
+                  <a:ext uri="{0D108BD9-81ED-4DB2-BD59-A6C34878D82A}">
+                    <a16:rowId xmlns:a16="http://schemas.microsoft.com/office/drawing/2014/main" val="1062352115"/>
+                  </a:ext>
+                </a:extLst>
+              </a:tr>
+              <a:tr h="605977">
+                <a:tc>
+                  <a:txBody>
+                    <a:bodyPr/>
+                    <a:lstStyle/>
+                    <a:p>
+                      <a:r>
+                        <a:rPr lang="en-US" dirty="0"/>
+                        <a:t>p</a:t>
+                      </a:r>
+                      <a:r>
+                        <a:rPr lang="en-IN" dirty="0" err="1"/>
+                        <a:t>rofilepic</a:t>
+                      </a:r>
+                      <a:endParaRPr lang="en-IN" dirty="0"/>
+                    </a:p>
+                  </a:txBody>
+                  <a:tcPr/>
+                </a:tc>
+                <a:tc>
+                  <a:txBody>
+                    <a:bodyPr/>
+                    <a:lstStyle/>
+                    <a:p>
+                      <a:pPr marL="0" marR="0" lvl="0" indent="0" algn="l" defTabSz="457200" rtl="0" eaLnBrk="1" fontAlgn="auto" latinLnBrk="0" hangingPunct="1">
+                        <a:lnSpc>
+                          <a:spcPct val="100000"/>
+                        </a:lnSpc>
+                        <a:spcBef>
+                          <a:spcPts val="0"/>
+                        </a:spcBef>
+                        <a:spcAft>
+                          <a:spcPts val="0"/>
+                        </a:spcAft>
+                        <a:buClrTx/>
+                        <a:buSzTx/>
+                        <a:buFontTx/>
+                        <a:buNone/>
+                        <a:tabLst/>
+                        <a:defRPr/>
+                      </a:pPr>
+                      <a:r>
+                        <a:rPr lang="en-IN" dirty="0"/>
+                        <a:t>String</a:t>
+                      </a:r>
+                    </a:p>
+                    <a:p>
+                      <a:endParaRPr lang="en-IN" dirty="0"/>
+                    </a:p>
+                  </a:txBody>
+                  <a:tcPr/>
+                </a:tc>
+                <a:tc>
+                  <a:txBody>
+                    <a:bodyPr/>
+                    <a:lstStyle/>
+                    <a:p>
+                      <a:r>
+                        <a:rPr lang="en-US" dirty="0"/>
+                        <a:t>D</a:t>
+                      </a:r>
+                      <a:r>
+                        <a:rPr lang="en-IN" dirty="0" err="1"/>
+                        <a:t>efoult</a:t>
+                      </a:r>
+                      <a:endParaRPr lang="en-IN" dirty="0"/>
+                    </a:p>
+                  </a:txBody>
+                  <a:tcPr anchor="ctr"/>
+                </a:tc>
+                <a:tc>
+                  <a:txBody>
+                    <a:bodyPr/>
+                    <a:lstStyle/>
+                    <a:p>
+                      <a:r>
+                        <a:rPr lang="en-US" dirty="0" err="1"/>
+                        <a:t>Defoult</a:t>
+                      </a:r>
+                      <a:r>
+                        <a:rPr lang="en-US" dirty="0"/>
+                        <a:t> profile pic.</a:t>
+                      </a:r>
+                      <a:endParaRPr lang="en-IN" dirty="0"/>
+                    </a:p>
+                  </a:txBody>
+                  <a:tcPr/>
+                </a:tc>
+                <a:extLst>
+                  <a:ext uri="{0D108BD9-81ED-4DB2-BD59-A6C34878D82A}">
+                    <a16:rowId xmlns:a16="http://schemas.microsoft.com/office/drawing/2014/main" val="343046690"/>
+                  </a:ext>
+                </a:extLst>
+              </a:tr>
+            </a:tbl>
+          </a:graphicData>
+        </a:graphic>
+      </p:graphicFrame>
+    </p:spTree>
+    <p:extLst>
+      <p:ext uri="{BB962C8B-B14F-4D97-AF65-F5344CB8AC3E}">
+        <p14:creationId xmlns:p14="http://schemas.microsoft.com/office/powerpoint/2010/main" val="993630583"/>
+      </p:ext>
+    </p:extLst>
+  </p:cSld>
+  <p:clrMapOvr>
+    <a:masterClrMapping/>
+  </p:clrMapOvr>
+</p:sld>
+</file>
+
+<file path=ppt/slides/slide24.xml><?xml version="1.0" encoding="utf-8"?>
+<p:sld xmlns:a="http://schemas.openxmlformats.org/drawingml/2006/main" xmlns:r="http://schemas.openxmlformats.org/officeDocument/2006/relationships" xmlns:p="http://schemas.openxmlformats.org/presentationml/2006/main">
+  <p:cSld>
+    <p:spTree>
+      <p:nvGrpSpPr>
+        <p:cNvPr id="1" name="">
+          <a:extLst>
+            <a:ext uri="{FF2B5EF4-FFF2-40B4-BE49-F238E27FC236}">
               <a16:creationId xmlns:a16="http://schemas.microsoft.com/office/drawing/2014/main" id="{C893168B-BF0E-2058-36F5-5B1960424364}"/>
             </a:ext>
           </a:extLst>
@@ -21374,7 +24086,7 @@
 </p:sld>
 </file>
 
-<file path=ppt/slides/slide22.xml><?xml version="1.0" encoding="utf-8"?>
+<file path=ppt/slides/slide25.xml><?xml version="1.0" encoding="utf-8"?>
 <p:sld xmlns:a="http://schemas.openxmlformats.org/drawingml/2006/main" xmlns:r="http://schemas.openxmlformats.org/officeDocument/2006/relationships" xmlns:p="http://schemas.openxmlformats.org/presentationml/2006/main">
   <p:cSld>
     <p:spTree>
@@ -21411,8 +24123,8 @@
         </p:nvSpPr>
         <p:spPr>
           <a:xfrm>
-            <a:off x="157316" y="470789"/>
-            <a:ext cx="2133600" cy="646331"/>
+            <a:off x="157315" y="470789"/>
+            <a:ext cx="3382297" cy="646331"/>
           </a:xfrm>
           <a:prstGeom prst="rect">
             <a:avLst/>
@@ -21435,7 +24147,7 @@
                 <a:cs typeface="Poppins"/>
                 <a:sym typeface="Poppins"/>
               </a:rPr>
-              <a:t>Login : </a:t>
+              <a:t>Login :  user</a:t>
             </a:r>
             <a:endParaRPr lang="en-IN" sz="900" u="sng" dirty="0">
               <a:solidFill>
@@ -21447,10 +24159,10 @@
       </p:sp>
       <p:pic>
         <p:nvPicPr>
-          <p:cNvPr id="3" name="Picture 2">
+          <p:cNvPr id="7" name="Picture 6">
             <a:extLst>
               <a:ext uri="{FF2B5EF4-FFF2-40B4-BE49-F238E27FC236}">
-                <a16:creationId xmlns:a16="http://schemas.microsoft.com/office/drawing/2014/main" id="{98DDE444-900A-4786-7250-8FB7F399DE01}"/>
+                <a16:creationId xmlns:a16="http://schemas.microsoft.com/office/drawing/2014/main" id="{6013DB64-B3A4-09BF-6FB0-3B97A6DA1CA8}"/>
               </a:ext>
             </a:extLst>
           </p:cNvPr>
@@ -21467,8 +24179,8 @@
         </p:blipFill>
         <p:spPr>
           <a:xfrm>
-            <a:off x="1411474" y="1117120"/>
-            <a:ext cx="9369051" cy="5270091"/>
+            <a:off x="1440426" y="1149690"/>
+            <a:ext cx="9311148" cy="5237521"/>
           </a:xfrm>
           <a:prstGeom prst="rect">
             <a:avLst/>
@@ -21488,121 +24200,7 @@
 </p:sld>
 </file>
 
-<file path=ppt/slides/slide23.xml><?xml version="1.0" encoding="utf-8"?>
-<p:sld xmlns:a="http://schemas.openxmlformats.org/drawingml/2006/main" xmlns:r="http://schemas.openxmlformats.org/officeDocument/2006/relationships" xmlns:p="http://schemas.openxmlformats.org/presentationml/2006/main">
-  <p:cSld>
-    <p:spTree>
-      <p:nvGrpSpPr>
-        <p:cNvPr id="1" name="">
-          <a:extLst>
-            <a:ext uri="{FF2B5EF4-FFF2-40B4-BE49-F238E27FC236}">
-              <a16:creationId xmlns:a16="http://schemas.microsoft.com/office/drawing/2014/main" id="{980B479B-ADBA-030E-E087-3F84264E467D}"/>
-            </a:ext>
-          </a:extLst>
-        </p:cNvPr>
-        <p:cNvGrpSpPr/>
-        <p:nvPr/>
-      </p:nvGrpSpPr>
-      <p:grpSpPr>
-        <a:xfrm>
-          <a:off x="0" y="0"/>
-          <a:ext cx="0" cy="0"/>
-          <a:chOff x="0" y="0"/>
-          <a:chExt cx="0" cy="0"/>
-        </a:xfrm>
-      </p:grpSpPr>
-      <p:sp>
-        <p:nvSpPr>
-          <p:cNvPr id="6" name="TextBox 5">
-            <a:extLst>
-              <a:ext uri="{FF2B5EF4-FFF2-40B4-BE49-F238E27FC236}">
-                <a16:creationId xmlns:a16="http://schemas.microsoft.com/office/drawing/2014/main" id="{C49114F4-D565-473D-EFBD-0E629F707B69}"/>
-              </a:ext>
-            </a:extLst>
-          </p:cNvPr>
-          <p:cNvSpPr txBox="1"/>
-          <p:nvPr/>
-        </p:nvSpPr>
-        <p:spPr>
-          <a:xfrm>
-            <a:off x="157316" y="470789"/>
-            <a:ext cx="2133600" cy="646331"/>
-          </a:xfrm>
-          <a:prstGeom prst="rect">
-            <a:avLst/>
-          </a:prstGeom>
-          <a:noFill/>
-        </p:spPr>
-        <p:txBody>
-          <a:bodyPr wrap="square">
-            <a:spAutoFit/>
-          </a:bodyPr>
-          <a:lstStyle/>
-          <a:p>
-            <a:pPr algn="ctr"/>
-            <a:r>
-              <a:rPr lang="en" sz="3600" b="1" u="sng" kern="0" dirty="0">
-                <a:solidFill>
-                  <a:srgbClr val="99CCFF"/>
-                </a:solidFill>
-                <a:latin typeface="Poppins"/>
-                <a:cs typeface="Poppins"/>
-                <a:sym typeface="Poppins"/>
-              </a:rPr>
-              <a:t>Login : </a:t>
-            </a:r>
-            <a:endParaRPr lang="en-IN" sz="900" u="sng" dirty="0">
-              <a:solidFill>
-                <a:srgbClr val="99CCFF"/>
-              </a:solidFill>
-            </a:endParaRPr>
-          </a:p>
-        </p:txBody>
-      </p:sp>
-      <p:pic>
-        <p:nvPicPr>
-          <p:cNvPr id="3" name="Picture 2">
-            <a:extLst>
-              <a:ext uri="{FF2B5EF4-FFF2-40B4-BE49-F238E27FC236}">
-                <a16:creationId xmlns:a16="http://schemas.microsoft.com/office/drawing/2014/main" id="{A2E22349-E16E-3E72-7D1D-3FB74CA1BF38}"/>
-              </a:ext>
-            </a:extLst>
-          </p:cNvPr>
-          <p:cNvPicPr>
-            <a:picLocks noChangeAspect="1"/>
-          </p:cNvPicPr>
-          <p:nvPr/>
-        </p:nvPicPr>
-        <p:blipFill>
-          <a:blip r:embed="rId2"/>
-          <a:stretch>
-            <a:fillRect/>
-          </a:stretch>
-        </p:blipFill>
-        <p:spPr>
-          <a:xfrm>
-            <a:off x="1411474" y="1117120"/>
-            <a:ext cx="9369051" cy="5270091"/>
-          </a:xfrm>
-          <a:prstGeom prst="rect">
-            <a:avLst/>
-          </a:prstGeom>
-        </p:spPr>
-      </p:pic>
-    </p:spTree>
-    <p:extLst>
-      <p:ext uri="{BB962C8B-B14F-4D97-AF65-F5344CB8AC3E}">
-        <p14:creationId xmlns:p14="http://schemas.microsoft.com/office/powerpoint/2010/main" val="490249072"/>
-      </p:ext>
-    </p:extLst>
-  </p:cSld>
-  <p:clrMapOvr>
-    <a:masterClrMapping/>
-  </p:clrMapOvr>
-</p:sld>
-</file>
-
-<file path=ppt/slides/slide24.xml><?xml version="1.0" encoding="utf-8"?>
+<file path=ppt/slides/slide26.xml><?xml version="1.0" encoding="utf-8"?>
 <p:sld xmlns:a="http://schemas.openxmlformats.org/drawingml/2006/main" xmlns:r="http://schemas.openxmlformats.org/officeDocument/2006/relationships" xmlns:p="http://schemas.openxmlformats.org/presentationml/2006/main">
   <p:cSld>
     <p:spTree>
@@ -21716,7 +24314,7 @@
 </p:sld>
 </file>
 
-<file path=ppt/slides/slide25.xml><?xml version="1.0" encoding="utf-8"?>
+<file path=ppt/slides/slide27.xml><?xml version="1.0" encoding="utf-8"?>
 <p:sld xmlns:a="http://schemas.openxmlformats.org/drawingml/2006/main" xmlns:r="http://schemas.openxmlformats.org/officeDocument/2006/relationships" xmlns:p="http://schemas.openxmlformats.org/presentationml/2006/main">
   <p:cSld>
     <p:spTree>
@@ -21787,36 +24385,6 @@
           </a:p>
         </p:txBody>
       </p:sp>
-      <p:pic>
-        <p:nvPicPr>
-          <p:cNvPr id="3" name="Picture 2">
-            <a:extLst>
-              <a:ext uri="{FF2B5EF4-FFF2-40B4-BE49-F238E27FC236}">
-                <a16:creationId xmlns:a16="http://schemas.microsoft.com/office/drawing/2014/main" id="{7E809AFD-B130-24E2-B5CA-4742E7022EC6}"/>
-              </a:ext>
-            </a:extLst>
-          </p:cNvPr>
-          <p:cNvPicPr>
-            <a:picLocks noChangeAspect="1"/>
-          </p:cNvPicPr>
-          <p:nvPr/>
-        </p:nvPicPr>
-        <p:blipFill>
-          <a:blip r:embed="rId2"/>
-          <a:stretch>
-            <a:fillRect/>
-          </a:stretch>
-        </p:blipFill>
-        <p:spPr>
-          <a:xfrm>
-            <a:off x="1445342" y="1332202"/>
-            <a:ext cx="9301316" cy="5231990"/>
-          </a:xfrm>
-          <a:prstGeom prst="rect">
-            <a:avLst/>
-          </a:prstGeom>
-        </p:spPr>
-      </p:pic>
     </p:spTree>
     <p:extLst>
       <p:ext uri="{BB962C8B-B14F-4D97-AF65-F5344CB8AC3E}">
